--- a/2. AWS Glue Works/MySQL-to-RDS-to-Glue.pptx
+++ b/2. AWS Glue Works/MySQL-to-RDS-to-Glue.pptx
@@ -9,7 +9,12 @@
     <p:sldId id="257" r:id="rId3"/>
     <p:sldId id="258" r:id="rId4"/>
     <p:sldId id="259" r:id="rId5"/>
-    <p:sldId id="260" r:id="rId6"/>
+    <p:sldId id="261" r:id="rId6"/>
+    <p:sldId id="262" r:id="rId7"/>
+    <p:sldId id="263" r:id="rId8"/>
+    <p:sldId id="264" r:id="rId9"/>
+    <p:sldId id="265" r:id="rId10"/>
+    <p:sldId id="260" r:id="rId11"/>
   </p:sldIdLst>
   <p:sldSz cx="12192000" cy="6858000"/>
   <p:notesSz cx="6858000" cy="9144000"/>
@@ -119,9 +124,682 @@
 <file path=ppt/revisionInfo.xml><?xml version="1.0" encoding="utf-8"?>
 <p1510:revInfo xmlns:a="http://schemas.openxmlformats.org/drawingml/2006/main" xmlns:r="http://schemas.openxmlformats.org/officeDocument/2006/relationships" xmlns:p1510="http://schemas.microsoft.com/office/powerpoint/2015/10/main">
   <p1510:revLst>
+    <p1510:client id="{92AF524C-6F1B-4DFB-846F-B6498EAB0724}" v="1067" dt="2022-06-20T11:25:12.370"/>
     <p1510:client id="{DEE5607B-DCB2-456B-8F0C-1B0343890602}" v="802" dt="2022-06-16T14:38:35.930"/>
   </p1510:revLst>
 </p1510:revInfo>
+</file>
+
+<file path=ppt/changesInfos/changesInfo1.xml><?xml version="1.0" encoding="utf-8"?>
+<pc:chgInfo xmlns:a="http://schemas.openxmlformats.org/drawingml/2006/main" xmlns:r="http://schemas.openxmlformats.org/officeDocument/2006/relationships" xmlns:ac="http://schemas.microsoft.com/office/drawing/2013/main/command" xmlns:pc="http://schemas.microsoft.com/office/powerpoint/2013/main/command">
+  <pc:docChgLst>
+    <pc:chgData name="Vignesh Vallavan" userId="b606fa7b4e1bb918" providerId="Windows Live" clId="Web-{92AF524C-6F1B-4DFB-846F-B6498EAB0724}"/>
+    <pc:docChg chg="addSld modSld sldOrd">
+      <pc:chgData name="Vignesh Vallavan" userId="b606fa7b4e1bb918" providerId="Windows Live" clId="Web-{92AF524C-6F1B-4DFB-846F-B6498EAB0724}" dt="2022-06-20T11:25:09.791" v="596" actId="20577"/>
+      <pc:docMkLst>
+        <pc:docMk/>
+      </pc:docMkLst>
+      <pc:sldChg chg="delSp modSp">
+        <pc:chgData name="Vignesh Vallavan" userId="b606fa7b4e1bb918" providerId="Windows Live" clId="Web-{92AF524C-6F1B-4DFB-846F-B6498EAB0724}" dt="2022-06-20T11:25:09.791" v="596" actId="20577"/>
+        <pc:sldMkLst>
+          <pc:docMk/>
+          <pc:sldMk cId="4291121068" sldId="260"/>
+        </pc:sldMkLst>
+        <pc:spChg chg="mod">
+          <ac:chgData name="Vignesh Vallavan" userId="b606fa7b4e1bb918" providerId="Windows Live" clId="Web-{92AF524C-6F1B-4DFB-846F-B6498EAB0724}" dt="2022-06-20T11:24:26.306" v="585" actId="1076"/>
+          <ac:spMkLst>
+            <pc:docMk/>
+            <pc:sldMk cId="4291121068" sldId="260"/>
+            <ac:spMk id="5" creationId="{7577280A-9E3D-6AA6-1068-7E516647CAAB}"/>
+          </ac:spMkLst>
+        </pc:spChg>
+        <pc:spChg chg="del">
+          <ac:chgData name="Vignesh Vallavan" userId="b606fa7b4e1bb918" providerId="Windows Live" clId="Web-{92AF524C-6F1B-4DFB-846F-B6498EAB0724}" dt="2022-06-20T11:23:24.944" v="526"/>
+          <ac:spMkLst>
+            <pc:docMk/>
+            <pc:sldMk cId="4291121068" sldId="260"/>
+            <ac:spMk id="7" creationId="{ECB05D04-B90C-7697-EF7F-A88C1351D51E}"/>
+          </ac:spMkLst>
+        </pc:spChg>
+        <pc:spChg chg="del">
+          <ac:chgData name="Vignesh Vallavan" userId="b606fa7b4e1bb918" providerId="Windows Live" clId="Web-{92AF524C-6F1B-4DFB-846F-B6498EAB0724}" dt="2022-06-20T11:23:24.944" v="525"/>
+          <ac:spMkLst>
+            <pc:docMk/>
+            <pc:sldMk cId="4291121068" sldId="260"/>
+            <ac:spMk id="8" creationId="{01A0DB88-4D78-0AFD-8E2A-4461DC976133}"/>
+          </ac:spMkLst>
+        </pc:spChg>
+        <pc:spChg chg="mod">
+          <ac:chgData name="Vignesh Vallavan" userId="b606fa7b4e1bb918" providerId="Windows Live" clId="Web-{92AF524C-6F1B-4DFB-846F-B6498EAB0724}" dt="2022-06-20T11:25:09.791" v="596" actId="20577"/>
+          <ac:spMkLst>
+            <pc:docMk/>
+            <pc:sldMk cId="4291121068" sldId="260"/>
+            <ac:spMk id="10" creationId="{1C3EB456-0CD7-1687-24BE-0114D13E214A}"/>
+          </ac:spMkLst>
+        </pc:spChg>
+        <pc:picChg chg="del">
+          <ac:chgData name="Vignesh Vallavan" userId="b606fa7b4e1bb918" providerId="Windows Live" clId="Web-{92AF524C-6F1B-4DFB-846F-B6498EAB0724}" dt="2022-06-20T11:17:20.339" v="443"/>
+          <ac:picMkLst>
+            <pc:docMk/>
+            <pc:sldMk cId="4291121068" sldId="260"/>
+            <ac:picMk id="4" creationId="{E2528311-7006-72C7-4C3E-99A309CAFA23}"/>
+          </ac:picMkLst>
+        </pc:picChg>
+        <pc:picChg chg="del">
+          <ac:chgData name="Vignesh Vallavan" userId="b606fa7b4e1bb918" providerId="Windows Live" clId="Web-{92AF524C-6F1B-4DFB-846F-B6498EAB0724}" dt="2022-06-20T11:23:20.960" v="524"/>
+          <ac:picMkLst>
+            <pc:docMk/>
+            <pc:sldMk cId="4291121068" sldId="260"/>
+            <ac:picMk id="6" creationId="{A1130D85-B2B9-CBE1-03AD-E905A8C97420}"/>
+          </ac:picMkLst>
+        </pc:picChg>
+        <pc:picChg chg="mod">
+          <ac:chgData name="Vignesh Vallavan" userId="b606fa7b4e1bb918" providerId="Windows Live" clId="Web-{92AF524C-6F1B-4DFB-846F-B6498EAB0724}" dt="2022-06-20T11:24:28.868" v="586" actId="1076"/>
+          <ac:picMkLst>
+            <pc:docMk/>
+            <pc:sldMk cId="4291121068" sldId="260"/>
+            <ac:picMk id="9" creationId="{9CCB2FAF-9BE8-7EFE-A625-BAB6B3A42C99}"/>
+          </ac:picMkLst>
+        </pc:picChg>
+      </pc:sldChg>
+      <pc:sldChg chg="addSp delSp modSp new ord">
+        <pc:chgData name="Vignesh Vallavan" userId="b606fa7b4e1bb918" providerId="Windows Live" clId="Web-{92AF524C-6F1B-4DFB-846F-B6498EAB0724}" dt="2022-06-20T10:58:11.223" v="18" actId="1076"/>
+        <pc:sldMkLst>
+          <pc:docMk/>
+          <pc:sldMk cId="289312920" sldId="261"/>
+        </pc:sldMkLst>
+        <pc:spChg chg="del">
+          <ac:chgData name="Vignesh Vallavan" userId="b606fa7b4e1bb918" providerId="Windows Live" clId="Web-{92AF524C-6F1B-4DFB-846F-B6498EAB0724}" dt="2022-06-20T10:57:17.612" v="2"/>
+          <ac:spMkLst>
+            <pc:docMk/>
+            <pc:sldMk cId="289312920" sldId="261"/>
+            <ac:spMk id="2" creationId="{F1953BB0-4C25-A71E-5048-1667CC05BA29}"/>
+          </ac:spMkLst>
+        </pc:spChg>
+        <pc:spChg chg="del">
+          <ac:chgData name="Vignesh Vallavan" userId="b606fa7b4e1bb918" providerId="Windows Live" clId="Web-{92AF524C-6F1B-4DFB-846F-B6498EAB0724}" dt="2022-06-20T10:57:17.597" v="1"/>
+          <ac:spMkLst>
+            <pc:docMk/>
+            <pc:sldMk cId="289312920" sldId="261"/>
+            <ac:spMk id="3" creationId="{4815F8CE-372C-3EC3-1520-6ED7870864BA}"/>
+          </ac:spMkLst>
+        </pc:spChg>
+        <pc:spChg chg="add mod">
+          <ac:chgData name="Vignesh Vallavan" userId="b606fa7b4e1bb918" providerId="Windows Live" clId="Web-{92AF524C-6F1B-4DFB-846F-B6498EAB0724}" dt="2022-06-20T10:58:11.223" v="18" actId="1076"/>
+          <ac:spMkLst>
+            <pc:docMk/>
+            <pc:sldMk cId="289312920" sldId="261"/>
+            <ac:spMk id="4" creationId="{5FD1077F-EE90-B893-50E4-7566A0CD51F1}"/>
+          </ac:spMkLst>
+        </pc:spChg>
+      </pc:sldChg>
+      <pc:sldChg chg="addSp delSp modSp add replId">
+        <pc:chgData name="Vignesh Vallavan" userId="b606fa7b4e1bb918" providerId="Windows Live" clId="Web-{92AF524C-6F1B-4DFB-846F-B6498EAB0724}" dt="2022-06-20T11:05:22.222" v="208" actId="20577"/>
+        <pc:sldMkLst>
+          <pc:docMk/>
+          <pc:sldMk cId="1337457768" sldId="262"/>
+        </pc:sldMkLst>
+        <pc:spChg chg="add mod">
+          <ac:chgData name="Vignesh Vallavan" userId="b606fa7b4e1bb918" providerId="Windows Live" clId="Web-{92AF524C-6F1B-4DFB-846F-B6498EAB0724}" dt="2022-06-20T11:05:22.222" v="208" actId="20577"/>
+          <ac:spMkLst>
+            <pc:docMk/>
+            <pc:sldMk cId="1337457768" sldId="262"/>
+            <ac:spMk id="3" creationId="{5A540AD6-3701-8AA2-2924-5C150EA11F14}"/>
+          </ac:spMkLst>
+        </pc:spChg>
+        <pc:spChg chg="del">
+          <ac:chgData name="Vignesh Vallavan" userId="b606fa7b4e1bb918" providerId="Windows Live" clId="Web-{92AF524C-6F1B-4DFB-846F-B6498EAB0724}" dt="2022-06-20T10:58:19.911" v="20"/>
+          <ac:spMkLst>
+            <pc:docMk/>
+            <pc:sldMk cId="1337457768" sldId="262"/>
+            <ac:spMk id="4" creationId="{5FD1077F-EE90-B893-50E4-7566A0CD51F1}"/>
+          </ac:spMkLst>
+        </pc:spChg>
+        <pc:spChg chg="add del">
+          <ac:chgData name="Vignesh Vallavan" userId="b606fa7b4e1bb918" providerId="Windows Live" clId="Web-{92AF524C-6F1B-4DFB-846F-B6498EAB0724}" dt="2022-06-20T10:59:54.867" v="37"/>
+          <ac:spMkLst>
+            <pc:docMk/>
+            <pc:sldMk cId="1337457768" sldId="262"/>
+            <ac:spMk id="5" creationId="{3C1D2F0F-74E4-A8D8-A053-52F6C01C9B00}"/>
+          </ac:spMkLst>
+        </pc:spChg>
+        <pc:spChg chg="add mod">
+          <ac:chgData name="Vignesh Vallavan" userId="b606fa7b4e1bb918" providerId="Windows Live" clId="Web-{92AF524C-6F1B-4DFB-846F-B6498EAB0724}" dt="2022-06-20T11:03:08.139" v="154" actId="1076"/>
+          <ac:spMkLst>
+            <pc:docMk/>
+            <pc:sldMk cId="1337457768" sldId="262"/>
+            <ac:spMk id="6" creationId="{B5E7A9E5-6D24-B2C5-5BEC-DA33324BEC63}"/>
+          </ac:spMkLst>
+        </pc:spChg>
+        <pc:spChg chg="add mod">
+          <ac:chgData name="Vignesh Vallavan" userId="b606fa7b4e1bb918" providerId="Windows Live" clId="Web-{92AF524C-6F1B-4DFB-846F-B6498EAB0724}" dt="2022-06-20T11:04:16.704" v="182" actId="20577"/>
+          <ac:spMkLst>
+            <pc:docMk/>
+            <pc:sldMk cId="1337457768" sldId="262"/>
+            <ac:spMk id="7" creationId="{D58D94A7-B7AE-F828-3373-9A646843919D}"/>
+          </ac:spMkLst>
+        </pc:spChg>
+        <pc:picChg chg="add mod">
+          <ac:chgData name="Vignesh Vallavan" userId="b606fa7b4e1bb918" providerId="Windows Live" clId="Web-{92AF524C-6F1B-4DFB-846F-B6498EAB0724}" dt="2022-06-20T11:00:01.274" v="39" actId="1076"/>
+          <ac:picMkLst>
+            <pc:docMk/>
+            <pc:sldMk cId="1337457768" sldId="262"/>
+            <ac:picMk id="2" creationId="{90A9CDBD-776A-BCDD-7933-80BE1AF9E31D}"/>
+          </ac:picMkLst>
+        </pc:picChg>
+      </pc:sldChg>
+      <pc:sldChg chg="addSp delSp modSp new ord">
+        <pc:chgData name="Vignesh Vallavan" userId="b606fa7b4e1bb918" providerId="Windows Live" clId="Web-{92AF524C-6F1B-4DFB-846F-B6498EAB0724}" dt="2022-06-20T11:14:29.177" v="371"/>
+        <pc:sldMkLst>
+          <pc:docMk/>
+          <pc:sldMk cId="785922027" sldId="263"/>
+        </pc:sldMkLst>
+        <pc:spChg chg="del">
+          <ac:chgData name="Vignesh Vallavan" userId="b606fa7b4e1bb918" providerId="Windows Live" clId="Web-{92AF524C-6F1B-4DFB-846F-B6498EAB0724}" dt="2022-06-20T11:04:26.970" v="185"/>
+          <ac:spMkLst>
+            <pc:docMk/>
+            <pc:sldMk cId="785922027" sldId="263"/>
+            <ac:spMk id="2" creationId="{BEC51FE0-2B13-2FB0-B7CA-9D0C31605071}"/>
+          </ac:spMkLst>
+        </pc:spChg>
+        <pc:spChg chg="del">
+          <ac:chgData name="Vignesh Vallavan" userId="b606fa7b4e1bb918" providerId="Windows Live" clId="Web-{92AF524C-6F1B-4DFB-846F-B6498EAB0724}" dt="2022-06-20T11:04:26.954" v="184"/>
+          <ac:spMkLst>
+            <pc:docMk/>
+            <pc:sldMk cId="785922027" sldId="263"/>
+            <ac:spMk id="3" creationId="{9A89C749-5602-4F59-1372-3B392B18D9BE}"/>
+          </ac:spMkLst>
+        </pc:spChg>
+        <pc:spChg chg="add mod">
+          <ac:chgData name="Vignesh Vallavan" userId="b606fa7b4e1bb918" providerId="Windows Live" clId="Web-{92AF524C-6F1B-4DFB-846F-B6498EAB0724}" dt="2022-06-20T11:05:11.862" v="205" actId="20577"/>
+          <ac:spMkLst>
+            <pc:docMk/>
+            <pc:sldMk cId="785922027" sldId="263"/>
+            <ac:spMk id="6" creationId="{BE705F91-EE02-B377-3FB0-40FF31D3BF61}"/>
+          </ac:spMkLst>
+        </pc:spChg>
+        <pc:spChg chg="add mod">
+          <ac:chgData name="Vignesh Vallavan" userId="b606fa7b4e1bb918" providerId="Windows Live" clId="Web-{92AF524C-6F1B-4DFB-846F-B6498EAB0724}" dt="2022-06-20T11:10:25.185" v="280" actId="1076"/>
+          <ac:spMkLst>
+            <pc:docMk/>
+            <pc:sldMk cId="785922027" sldId="263"/>
+            <ac:spMk id="7" creationId="{27CF5987-AE77-89FC-0E68-19D221FDB125}"/>
+          </ac:spMkLst>
+        </pc:spChg>
+        <pc:spChg chg="add mod">
+          <ac:chgData name="Vignesh Vallavan" userId="b606fa7b4e1bb918" providerId="Windows Live" clId="Web-{92AF524C-6F1B-4DFB-846F-B6498EAB0724}" dt="2022-06-20T11:12:27.923" v="364" actId="1076"/>
+          <ac:spMkLst>
+            <pc:docMk/>
+            <pc:sldMk cId="785922027" sldId="263"/>
+            <ac:spMk id="9" creationId="{CD423672-03A4-9D50-9C1A-B815AD06760B}"/>
+          </ac:spMkLst>
+        </pc:spChg>
+        <pc:picChg chg="add del mod">
+          <ac:chgData name="Vignesh Vallavan" userId="b606fa7b4e1bb918" providerId="Windows Live" clId="Web-{92AF524C-6F1B-4DFB-846F-B6498EAB0724}" dt="2022-06-20T11:04:50.018" v="188"/>
+          <ac:picMkLst>
+            <pc:docMk/>
+            <pc:sldMk cId="785922027" sldId="263"/>
+            <ac:picMk id="4" creationId="{52CA591F-A3F6-EC37-AA57-673003D81948}"/>
+          </ac:picMkLst>
+        </pc:picChg>
+        <pc:picChg chg="add mod">
+          <ac:chgData name="Vignesh Vallavan" userId="b606fa7b4e1bb918" providerId="Windows Live" clId="Web-{92AF524C-6F1B-4DFB-846F-B6498EAB0724}" dt="2022-06-20T11:10:45.373" v="283" actId="14100"/>
+          <ac:picMkLst>
+            <pc:docMk/>
+            <pc:sldMk cId="785922027" sldId="263"/>
+            <ac:picMk id="8" creationId="{9B84B18F-45A3-89D5-B121-8543E1602C47}"/>
+          </ac:picMkLst>
+        </pc:picChg>
+      </pc:sldChg>
+      <pc:sldChg chg="addSp modSp add ord replId">
+        <pc:chgData name="Vignesh Vallavan" userId="b606fa7b4e1bb918" providerId="Windows Live" clId="Web-{92AF524C-6F1B-4DFB-846F-B6498EAB0724}" dt="2022-06-20T11:16:47.431" v="439" actId="14100"/>
+        <pc:sldMkLst>
+          <pc:docMk/>
+          <pc:sldMk cId="2318789702" sldId="264"/>
+        </pc:sldMkLst>
+        <pc:spChg chg="add mod">
+          <ac:chgData name="Vignesh Vallavan" userId="b606fa7b4e1bb918" providerId="Windows Live" clId="Web-{92AF524C-6F1B-4DFB-846F-B6498EAB0724}" dt="2022-06-20T11:15:03.334" v="381" actId="1076"/>
+          <ac:spMkLst>
+            <pc:docMk/>
+            <pc:sldMk cId="2318789702" sldId="264"/>
+            <ac:spMk id="4" creationId="{0264393D-ACF4-40E9-AC4F-7A68CD98BD6A}"/>
+          </ac:spMkLst>
+        </pc:spChg>
+        <pc:spChg chg="add mod">
+          <ac:chgData name="Vignesh Vallavan" userId="b606fa7b4e1bb918" providerId="Windows Live" clId="Web-{92AF524C-6F1B-4DFB-846F-B6498EAB0724}" dt="2022-06-20T11:16:47.431" v="439" actId="14100"/>
+          <ac:spMkLst>
+            <pc:docMk/>
+            <pc:sldMk cId="2318789702" sldId="264"/>
+            <ac:spMk id="5" creationId="{B33A7005-1246-DD1B-78B6-4DAB4C995C09}"/>
+          </ac:spMkLst>
+        </pc:spChg>
+        <pc:picChg chg="add mod">
+          <ac:chgData name="Vignesh Vallavan" userId="b606fa7b4e1bb918" providerId="Windows Live" clId="Web-{92AF524C-6F1B-4DFB-846F-B6498EAB0724}" dt="2022-06-20T11:15:22.335" v="385" actId="1076"/>
+          <ac:picMkLst>
+            <pc:docMk/>
+            <pc:sldMk cId="2318789702" sldId="264"/>
+            <ac:picMk id="2" creationId="{120BF0B5-F32E-3F6C-48D0-445FC9087B96}"/>
+          </ac:picMkLst>
+        </pc:picChg>
+      </pc:sldChg>
+      <pc:sldChg chg="addSp delSp modSp new">
+        <pc:chgData name="Vignesh Vallavan" userId="b606fa7b4e1bb918" providerId="Windows Live" clId="Web-{92AF524C-6F1B-4DFB-846F-B6498EAB0724}" dt="2022-06-20T11:22:59.709" v="522" actId="1076"/>
+        <pc:sldMkLst>
+          <pc:docMk/>
+          <pc:sldMk cId="3760077431" sldId="265"/>
+        </pc:sldMkLst>
+        <pc:spChg chg="del">
+          <ac:chgData name="Vignesh Vallavan" userId="b606fa7b4e1bb918" providerId="Windows Live" clId="Web-{92AF524C-6F1B-4DFB-846F-B6498EAB0724}" dt="2022-06-20T11:17:07.370" v="442"/>
+          <ac:spMkLst>
+            <pc:docMk/>
+            <pc:sldMk cId="3760077431" sldId="265"/>
+            <ac:spMk id="2" creationId="{5466334C-2E3F-E208-EF10-6448078485DD}"/>
+          </ac:spMkLst>
+        </pc:spChg>
+        <pc:spChg chg="del">
+          <ac:chgData name="Vignesh Vallavan" userId="b606fa7b4e1bb918" providerId="Windows Live" clId="Web-{92AF524C-6F1B-4DFB-846F-B6498EAB0724}" dt="2022-06-20T11:17:07.088" v="441"/>
+          <ac:spMkLst>
+            <pc:docMk/>
+            <pc:sldMk cId="3760077431" sldId="265"/>
+            <ac:spMk id="3" creationId="{798488E2-8E1A-EFFC-78FD-B5D4CB0BCEB1}"/>
+          </ac:spMkLst>
+        </pc:spChg>
+        <pc:spChg chg="add mod">
+          <ac:chgData name="Vignesh Vallavan" userId="b606fa7b4e1bb918" providerId="Windows Live" clId="Web-{92AF524C-6F1B-4DFB-846F-B6498EAB0724}" dt="2022-06-20T11:19:12.889" v="468" actId="20577"/>
+          <ac:spMkLst>
+            <pc:docMk/>
+            <pc:sldMk cId="3760077431" sldId="265"/>
+            <ac:spMk id="5" creationId="{AEF26EC1-8BEC-F626-4D82-1E9B0E7A01A7}"/>
+          </ac:spMkLst>
+        </pc:spChg>
+        <pc:spChg chg="add del mod">
+          <ac:chgData name="Vignesh Vallavan" userId="b606fa7b4e1bb918" providerId="Windows Live" clId="Web-{92AF524C-6F1B-4DFB-846F-B6498EAB0724}" dt="2022-06-20T11:22:49.396" v="520"/>
+          <ac:spMkLst>
+            <pc:docMk/>
+            <pc:sldMk cId="3760077431" sldId="265"/>
+            <ac:spMk id="7" creationId="{9D20AF05-8CEC-7554-70D9-49BCFBA97997}"/>
+          </ac:spMkLst>
+        </pc:spChg>
+        <pc:spChg chg="add mod">
+          <ac:chgData name="Vignesh Vallavan" userId="b606fa7b4e1bb918" providerId="Windows Live" clId="Web-{92AF524C-6F1B-4DFB-846F-B6498EAB0724}" dt="2022-06-20T11:22:59.709" v="522" actId="1076"/>
+          <ac:spMkLst>
+            <pc:docMk/>
+            <pc:sldMk cId="3760077431" sldId="265"/>
+            <ac:spMk id="9" creationId="{4C320377-494D-EBAF-769B-91E7C8A3BD54}"/>
+          </ac:spMkLst>
+        </pc:spChg>
+        <pc:picChg chg="add del mod">
+          <ac:chgData name="Vignesh Vallavan" userId="b606fa7b4e1bb918" providerId="Windows Live" clId="Web-{92AF524C-6F1B-4DFB-846F-B6498EAB0724}" dt="2022-06-20T11:22:35.568" v="517"/>
+          <ac:picMkLst>
+            <pc:docMk/>
+            <pc:sldMk cId="3760077431" sldId="265"/>
+            <ac:picMk id="6" creationId="{596EEF44-00FC-B3BC-E0B8-B2CF14F7899F}"/>
+          </ac:picMkLst>
+        </pc:picChg>
+        <pc:picChg chg="add mod">
+          <ac:chgData name="Vignesh Vallavan" userId="b606fa7b4e1bb918" providerId="Windows Live" clId="Web-{92AF524C-6F1B-4DFB-846F-B6498EAB0724}" dt="2022-06-20T11:22:43.755" v="519" actId="14100"/>
+          <ac:picMkLst>
+            <pc:docMk/>
+            <pc:sldMk cId="3760077431" sldId="265"/>
+            <ac:picMk id="8" creationId="{439EE4B9-F686-36B6-E54E-7B0229D59F23}"/>
+          </ac:picMkLst>
+        </pc:picChg>
+      </pc:sldChg>
+    </pc:docChg>
+  </pc:docChgLst>
+  <pc:docChgLst>
+    <pc:chgData name="Vignesh Vallavan" userId="b606fa7b4e1bb918" providerId="Windows Live" clId="Web-{DEE5607B-DCB2-456B-8F0C-1B0343890602}"/>
+    <pc:docChg chg="addSld delSld modSld">
+      <pc:chgData name="Vignesh Vallavan" userId="b606fa7b4e1bb918" providerId="Windows Live" clId="Web-{DEE5607B-DCB2-456B-8F0C-1B0343890602}" dt="2022-06-16T14:38:32.446" v="471" actId="20577"/>
+      <pc:docMkLst>
+        <pc:docMk/>
+      </pc:docMkLst>
+      <pc:sldChg chg="addSp delSp modSp">
+        <pc:chgData name="Vignesh Vallavan" userId="b606fa7b4e1bb918" providerId="Windows Live" clId="Web-{DEE5607B-DCB2-456B-8F0C-1B0343890602}" dt="2022-06-16T14:38:32.446" v="471" actId="20577"/>
+        <pc:sldMkLst>
+          <pc:docMk/>
+          <pc:sldMk cId="109857222" sldId="256"/>
+        </pc:sldMkLst>
+        <pc:spChg chg="del">
+          <ac:chgData name="Vignesh Vallavan" userId="b606fa7b4e1bb918" providerId="Windows Live" clId="Web-{DEE5607B-DCB2-456B-8F0C-1B0343890602}" dt="2022-06-16T13:48:40.915" v="1"/>
+          <ac:spMkLst>
+            <pc:docMk/>
+            <pc:sldMk cId="109857222" sldId="256"/>
+            <ac:spMk id="2" creationId="{00000000-0000-0000-0000-000000000000}"/>
+          </ac:spMkLst>
+        </pc:spChg>
+        <pc:spChg chg="del">
+          <ac:chgData name="Vignesh Vallavan" userId="b606fa7b4e1bb918" providerId="Windows Live" clId="Web-{DEE5607B-DCB2-456B-8F0C-1B0343890602}" dt="2022-06-16T13:48:34.977" v="0"/>
+          <ac:spMkLst>
+            <pc:docMk/>
+            <pc:sldMk cId="109857222" sldId="256"/>
+            <ac:spMk id="3" creationId="{00000000-0000-0000-0000-000000000000}"/>
+          </ac:spMkLst>
+        </pc:spChg>
+        <pc:spChg chg="add mod">
+          <ac:chgData name="Vignesh Vallavan" userId="b606fa7b4e1bb918" providerId="Windows Live" clId="Web-{DEE5607B-DCB2-456B-8F0C-1B0343890602}" dt="2022-06-16T14:38:32.446" v="471" actId="20577"/>
+          <ac:spMkLst>
+            <pc:docMk/>
+            <pc:sldMk cId="109857222" sldId="256"/>
+            <ac:spMk id="4" creationId="{1D7088D0-3649-F054-E84C-D8874EC85575}"/>
+          </ac:spMkLst>
+        </pc:spChg>
+      </pc:sldChg>
+      <pc:sldChg chg="addSp delSp modSp new">
+        <pc:chgData name="Vignesh Vallavan" userId="b606fa7b4e1bb918" providerId="Windows Live" clId="Web-{DEE5607B-DCB2-456B-8F0C-1B0343890602}" dt="2022-06-16T14:03:36.890" v="244" actId="14100"/>
+        <pc:sldMkLst>
+          <pc:docMk/>
+          <pc:sldMk cId="756110373" sldId="257"/>
+        </pc:sldMkLst>
+        <pc:spChg chg="del">
+          <ac:chgData name="Vignesh Vallavan" userId="b606fa7b4e1bb918" providerId="Windows Live" clId="Web-{DEE5607B-DCB2-456B-8F0C-1B0343890602}" dt="2022-06-16T13:54:43.049" v="43"/>
+          <ac:spMkLst>
+            <pc:docMk/>
+            <pc:sldMk cId="756110373" sldId="257"/>
+            <ac:spMk id="2" creationId="{D6B10F88-66F4-D9A9-DE7E-272EA2FC6140}"/>
+          </ac:spMkLst>
+        </pc:spChg>
+        <pc:spChg chg="del">
+          <ac:chgData name="Vignesh Vallavan" userId="b606fa7b4e1bb918" providerId="Windows Live" clId="Web-{DEE5607B-DCB2-456B-8F0C-1B0343890602}" dt="2022-06-16T13:54:41.518" v="42"/>
+          <ac:spMkLst>
+            <pc:docMk/>
+            <pc:sldMk cId="756110373" sldId="257"/>
+            <ac:spMk id="3" creationId="{CE623034-2A14-A94C-4BF8-BCA02703C133}"/>
+          </ac:spMkLst>
+        </pc:spChg>
+        <pc:spChg chg="add mod">
+          <ac:chgData name="Vignesh Vallavan" userId="b606fa7b4e1bb918" providerId="Windows Live" clId="Web-{DEE5607B-DCB2-456B-8F0C-1B0343890602}" dt="2022-06-16T13:56:59.677" v="71" actId="20577"/>
+          <ac:spMkLst>
+            <pc:docMk/>
+            <pc:sldMk cId="756110373" sldId="257"/>
+            <ac:spMk id="4" creationId="{156F079E-22FA-74C0-1452-B75C4F1F663F}"/>
+          </ac:spMkLst>
+        </pc:spChg>
+        <pc:spChg chg="add mod">
+          <ac:chgData name="Vignesh Vallavan" userId="b606fa7b4e1bb918" providerId="Windows Live" clId="Web-{DEE5607B-DCB2-456B-8F0C-1B0343890602}" dt="2022-06-16T13:58:34.883" v="87" actId="20577"/>
+          <ac:spMkLst>
+            <pc:docMk/>
+            <pc:sldMk cId="756110373" sldId="257"/>
+            <ac:spMk id="5" creationId="{2B458A9C-D277-CE52-1735-686EC213D59C}"/>
+          </ac:spMkLst>
+        </pc:spChg>
+        <pc:spChg chg="add del mod">
+          <ac:chgData name="Vignesh Vallavan" userId="b606fa7b4e1bb918" providerId="Windows Live" clId="Web-{DEE5607B-DCB2-456B-8F0C-1B0343890602}" dt="2022-06-16T13:58:00.819" v="80"/>
+          <ac:spMkLst>
+            <pc:docMk/>
+            <pc:sldMk cId="756110373" sldId="257"/>
+            <ac:spMk id="7" creationId="{8FD6A749-6841-C294-A484-B145068A34EB}"/>
+          </ac:spMkLst>
+        </pc:spChg>
+        <pc:spChg chg="add del mod">
+          <ac:chgData name="Vignesh Vallavan" userId="b606fa7b4e1bb918" providerId="Windows Live" clId="Web-{DEE5607B-DCB2-456B-8F0C-1B0343890602}" dt="2022-06-16T14:02:44.889" v="198"/>
+          <ac:spMkLst>
+            <pc:docMk/>
+            <pc:sldMk cId="756110373" sldId="257"/>
+            <ac:spMk id="8" creationId="{43E0F6ED-39F7-E649-8A9D-EF0AFFC194D7}"/>
+          </ac:spMkLst>
+        </pc:spChg>
+        <pc:spChg chg="add del">
+          <ac:chgData name="Vignesh Vallavan" userId="b606fa7b4e1bb918" providerId="Windows Live" clId="Web-{DEE5607B-DCB2-456B-8F0C-1B0343890602}" dt="2022-06-16T13:59:25.212" v="113"/>
+          <ac:spMkLst>
+            <pc:docMk/>
+            <pc:sldMk cId="756110373" sldId="257"/>
+            <ac:spMk id="9" creationId="{0F1C9D60-3F00-11E0-374F-FBCC8B5DC7D6}"/>
+          </ac:spMkLst>
+        </pc:spChg>
+        <pc:spChg chg="add mod">
+          <ac:chgData name="Vignesh Vallavan" userId="b606fa7b4e1bb918" providerId="Windows Live" clId="Web-{DEE5607B-DCB2-456B-8F0C-1B0343890602}" dt="2022-06-16T14:02:14.560" v="190" actId="14100"/>
+          <ac:spMkLst>
+            <pc:docMk/>
+            <pc:sldMk cId="756110373" sldId="257"/>
+            <ac:spMk id="10" creationId="{7AFF57E8-0794-C136-EE47-B0AA2C7383E3}"/>
+          </ac:spMkLst>
+        </pc:spChg>
+        <pc:spChg chg="add del">
+          <ac:chgData name="Vignesh Vallavan" userId="b606fa7b4e1bb918" providerId="Windows Live" clId="Web-{DEE5607B-DCB2-456B-8F0C-1B0343890602}" dt="2022-06-16T14:02:30.795" v="192"/>
+          <ac:spMkLst>
+            <pc:docMk/>
+            <pc:sldMk cId="756110373" sldId="257"/>
+            <ac:spMk id="11" creationId="{E170552B-420D-67F0-8D4A-690EEE139E28}"/>
+          </ac:spMkLst>
+        </pc:spChg>
+        <pc:spChg chg="add del mod">
+          <ac:chgData name="Vignesh Vallavan" userId="b606fa7b4e1bb918" providerId="Windows Live" clId="Web-{DEE5607B-DCB2-456B-8F0C-1B0343890602}" dt="2022-06-16T14:02:43.061" v="197"/>
+          <ac:spMkLst>
+            <pc:docMk/>
+            <pc:sldMk cId="756110373" sldId="257"/>
+            <ac:spMk id="12" creationId="{6E26A676-918E-58ED-E30D-0428CA2B1C60}"/>
+          </ac:spMkLst>
+        </pc:spChg>
+        <pc:spChg chg="add mod">
+          <ac:chgData name="Vignesh Vallavan" userId="b606fa7b4e1bb918" providerId="Windows Live" clId="Web-{DEE5607B-DCB2-456B-8F0C-1B0343890602}" dt="2022-06-16T14:03:36.890" v="244" actId="14100"/>
+          <ac:spMkLst>
+            <pc:docMk/>
+            <pc:sldMk cId="756110373" sldId="257"/>
+            <ac:spMk id="13" creationId="{7271BF02-D0A8-5499-FCF0-79C6FB6B1F59}"/>
+          </ac:spMkLst>
+        </pc:spChg>
+        <pc:picChg chg="add mod">
+          <ac:chgData name="Vignesh Vallavan" userId="b606fa7b4e1bb918" providerId="Windows Live" clId="Web-{DEE5607B-DCB2-456B-8F0C-1B0343890602}" dt="2022-06-16T13:59:20.931" v="111" actId="14100"/>
+          <ac:picMkLst>
+            <pc:docMk/>
+            <pc:sldMk cId="756110373" sldId="257"/>
+            <ac:picMk id="6" creationId="{9DBBFE11-309A-2743-BEDF-AB8163555897}"/>
+          </ac:picMkLst>
+        </pc:picChg>
+      </pc:sldChg>
+      <pc:sldChg chg="addSp delSp modSp new">
+        <pc:chgData name="Vignesh Vallavan" userId="b606fa7b4e1bb918" providerId="Windows Live" clId="Web-{DEE5607B-DCB2-456B-8F0C-1B0343890602}" dt="2022-06-16T14:08:39.726" v="378" actId="20577"/>
+        <pc:sldMkLst>
+          <pc:docMk/>
+          <pc:sldMk cId="2042028440" sldId="258"/>
+        </pc:sldMkLst>
+        <pc:spChg chg="del">
+          <ac:chgData name="Vignesh Vallavan" userId="b606fa7b4e1bb918" providerId="Windows Live" clId="Web-{DEE5607B-DCB2-456B-8F0C-1B0343890602}" dt="2022-06-16T14:01:21.887" v="175"/>
+          <ac:spMkLst>
+            <pc:docMk/>
+            <pc:sldMk cId="2042028440" sldId="258"/>
+            <ac:spMk id="2" creationId="{041EFE86-1942-5F03-FE06-898BBE9142C4}"/>
+          </ac:spMkLst>
+        </pc:spChg>
+        <pc:spChg chg="del">
+          <ac:chgData name="Vignesh Vallavan" userId="b606fa7b4e1bb918" providerId="Windows Live" clId="Web-{DEE5607B-DCB2-456B-8F0C-1B0343890602}" dt="2022-06-16T14:01:20.137" v="174"/>
+          <ac:spMkLst>
+            <pc:docMk/>
+            <pc:sldMk cId="2042028440" sldId="258"/>
+            <ac:spMk id="3" creationId="{686E037E-49A0-0132-6764-309C6CE2FE71}"/>
+          </ac:spMkLst>
+        </pc:spChg>
+        <pc:spChg chg="add del">
+          <ac:chgData name="Vignesh Vallavan" userId="b606fa7b4e1bb918" providerId="Windows Live" clId="Web-{DEE5607B-DCB2-456B-8F0C-1B0343890602}" dt="2022-06-16T14:03:50.140" v="247"/>
+          <ac:spMkLst>
+            <pc:docMk/>
+            <pc:sldMk cId="2042028440" sldId="258"/>
+            <ac:spMk id="5" creationId="{923E407B-B10C-3A36-3249-2DAAA333C81F}"/>
+          </ac:spMkLst>
+        </pc:spChg>
+        <pc:spChg chg="add mod">
+          <ac:chgData name="Vignesh Vallavan" userId="b606fa7b4e1bb918" providerId="Windows Live" clId="Web-{DEE5607B-DCB2-456B-8F0C-1B0343890602}" dt="2022-06-16T14:04:31.891" v="271" actId="20577"/>
+          <ac:spMkLst>
+            <pc:docMk/>
+            <pc:sldMk cId="2042028440" sldId="258"/>
+            <ac:spMk id="7" creationId="{18255ACC-7490-279D-6A2F-20D0E627A9B6}"/>
+          </ac:spMkLst>
+        </pc:spChg>
+        <pc:spChg chg="add del">
+          <ac:chgData name="Vignesh Vallavan" userId="b606fa7b4e1bb918" providerId="Windows Live" clId="Web-{DEE5607B-DCB2-456B-8F0C-1B0343890602}" dt="2022-06-16T14:05:54.284" v="278"/>
+          <ac:spMkLst>
+            <pc:docMk/>
+            <pc:sldMk cId="2042028440" sldId="258"/>
+            <ac:spMk id="9" creationId="{83F6EC77-2080-9215-902F-A54005EDADAC}"/>
+          </ac:spMkLst>
+        </pc:spChg>
+        <pc:spChg chg="add mod">
+          <ac:chgData name="Vignesh Vallavan" userId="b606fa7b4e1bb918" providerId="Windows Live" clId="Web-{DEE5607B-DCB2-456B-8F0C-1B0343890602}" dt="2022-06-16T14:08:39.726" v="378" actId="20577"/>
+          <ac:spMkLst>
+            <pc:docMk/>
+            <pc:sldMk cId="2042028440" sldId="258"/>
+            <ac:spMk id="10" creationId="{C94422DD-80BA-932E-979D-5A4D42BF030D}"/>
+          </ac:spMkLst>
+        </pc:spChg>
+        <pc:picChg chg="add mod">
+          <ac:chgData name="Vignesh Vallavan" userId="b606fa7b4e1bb918" providerId="Windows Live" clId="Web-{DEE5607B-DCB2-456B-8F0C-1B0343890602}" dt="2022-06-16T14:03:43.547" v="245" actId="1076"/>
+          <ac:picMkLst>
+            <pc:docMk/>
+            <pc:sldMk cId="2042028440" sldId="258"/>
+            <ac:picMk id="4" creationId="{FBF35DB9-2F04-FFE3-63A9-A48D02E9EDC7}"/>
+          </ac:picMkLst>
+        </pc:picChg>
+        <pc:picChg chg="add mod">
+          <ac:chgData name="Vignesh Vallavan" userId="b606fa7b4e1bb918" providerId="Windows Live" clId="Web-{DEE5607B-DCB2-456B-8F0C-1B0343890602}" dt="2022-06-16T14:05:18.314" v="276" actId="14100"/>
+          <ac:picMkLst>
+            <pc:docMk/>
+            <pc:sldMk cId="2042028440" sldId="258"/>
+            <ac:picMk id="8" creationId="{A8B78C02-1E61-1E27-0E40-C1A98DF464E5}"/>
+          </ac:picMkLst>
+        </pc:picChg>
+      </pc:sldChg>
+      <pc:sldChg chg="add del replId">
+        <pc:chgData name="Vignesh Vallavan" userId="b606fa7b4e1bb918" providerId="Windows Live" clId="Web-{DEE5607B-DCB2-456B-8F0C-1B0343890602}" dt="2022-06-16T13:58:17.054" v="84"/>
+        <pc:sldMkLst>
+          <pc:docMk/>
+          <pc:sldMk cId="3235558209" sldId="258"/>
+        </pc:sldMkLst>
+      </pc:sldChg>
+      <pc:sldChg chg="add del replId">
+        <pc:chgData name="Vignesh Vallavan" userId="b606fa7b4e1bb918" providerId="Windows Live" clId="Web-{DEE5607B-DCB2-456B-8F0C-1B0343890602}" dt="2022-06-16T13:58:09.554" v="82"/>
+        <pc:sldMkLst>
+          <pc:docMk/>
+          <pc:sldMk cId="3418394821" sldId="258"/>
+        </pc:sldMkLst>
+      </pc:sldChg>
+      <pc:sldChg chg="add del replId">
+        <pc:chgData name="Vignesh Vallavan" userId="b606fa7b4e1bb918" providerId="Windows Live" clId="Web-{DEE5607B-DCB2-456B-8F0C-1B0343890602}" dt="2022-06-16T14:06:07.238" v="282"/>
+        <pc:sldMkLst>
+          <pc:docMk/>
+          <pc:sldMk cId="1489263915" sldId="259"/>
+        </pc:sldMkLst>
+      </pc:sldChg>
+      <pc:sldChg chg="add del replId">
+        <pc:chgData name="Vignesh Vallavan" userId="b606fa7b4e1bb918" providerId="Windows Live" clId="Web-{DEE5607B-DCB2-456B-8F0C-1B0343890602}" dt="2022-06-16T14:06:01.081" v="280"/>
+        <pc:sldMkLst>
+          <pc:docMk/>
+          <pc:sldMk cId="1537359639" sldId="259"/>
+        </pc:sldMkLst>
+      </pc:sldChg>
+      <pc:sldChg chg="addSp delSp modSp new">
+        <pc:chgData name="Vignesh Vallavan" userId="b606fa7b4e1bb918" providerId="Windows Live" clId="Web-{DEE5607B-DCB2-456B-8F0C-1B0343890602}" dt="2022-06-16T14:30:02.640" v="413" actId="14100"/>
+        <pc:sldMkLst>
+          <pc:docMk/>
+          <pc:sldMk cId="2354735157" sldId="259"/>
+        </pc:sldMkLst>
+        <pc:spChg chg="del">
+          <ac:chgData name="Vignesh Vallavan" userId="b606fa7b4e1bb918" providerId="Windows Live" clId="Web-{DEE5607B-DCB2-456B-8F0C-1B0343890602}" dt="2022-06-16T14:08:49.835" v="381"/>
+          <ac:spMkLst>
+            <pc:docMk/>
+            <pc:sldMk cId="2354735157" sldId="259"/>
+            <ac:spMk id="2" creationId="{598B38C4-C2FB-E4FE-2A56-9DCC26DF2337}"/>
+          </ac:spMkLst>
+        </pc:spChg>
+        <pc:spChg chg="del">
+          <ac:chgData name="Vignesh Vallavan" userId="b606fa7b4e1bb918" providerId="Windows Live" clId="Web-{DEE5607B-DCB2-456B-8F0C-1B0343890602}" dt="2022-06-16T14:08:47.601" v="380"/>
+          <ac:spMkLst>
+            <pc:docMk/>
+            <pc:sldMk cId="2354735157" sldId="259"/>
+            <ac:spMk id="3" creationId="{09CFC7BC-91D0-6774-65E6-C013D1505DA2}"/>
+          </ac:spMkLst>
+        </pc:spChg>
+        <pc:picChg chg="add mod">
+          <ac:chgData name="Vignesh Vallavan" userId="b606fa7b4e1bb918" providerId="Windows Live" clId="Web-{DEE5607B-DCB2-456B-8F0C-1B0343890602}" dt="2022-06-16T14:30:02.640" v="413" actId="14100"/>
+          <ac:picMkLst>
+            <pc:docMk/>
+            <pc:sldMk cId="2354735157" sldId="259"/>
+            <ac:picMk id="4" creationId="{355FF327-D0D3-CA47-C85F-D75BD91F8E18}"/>
+          </ac:picMkLst>
+        </pc:picChg>
+      </pc:sldChg>
+      <pc:sldChg chg="addSp delSp modSp new">
+        <pc:chgData name="Vignesh Vallavan" userId="b606fa7b4e1bb918" providerId="Windows Live" clId="Web-{DEE5607B-DCB2-456B-8F0C-1B0343890602}" dt="2022-06-16T14:37:27.835" v="470" actId="20577"/>
+        <pc:sldMkLst>
+          <pc:docMk/>
+          <pc:sldMk cId="4291121068" sldId="260"/>
+        </pc:sldMkLst>
+        <pc:spChg chg="del">
+          <ac:chgData name="Vignesh Vallavan" userId="b606fa7b4e1bb918" providerId="Windows Live" clId="Web-{DEE5607B-DCB2-456B-8F0C-1B0343890602}" dt="2022-06-16T14:30:11.484" v="416"/>
+          <ac:spMkLst>
+            <pc:docMk/>
+            <pc:sldMk cId="4291121068" sldId="260"/>
+            <ac:spMk id="2" creationId="{3F9557D7-C514-C126-51A0-1C40D5513174}"/>
+          </ac:spMkLst>
+        </pc:spChg>
+        <pc:spChg chg="del">
+          <ac:chgData name="Vignesh Vallavan" userId="b606fa7b4e1bb918" providerId="Windows Live" clId="Web-{DEE5607B-DCB2-456B-8F0C-1B0343890602}" dt="2022-06-16T14:30:09.671" v="415"/>
+          <ac:spMkLst>
+            <pc:docMk/>
+            <pc:sldMk cId="4291121068" sldId="260"/>
+            <ac:spMk id="3" creationId="{5B31BBF6-796A-AB14-9200-523FB7B0EE43}"/>
+          </ac:spMkLst>
+        </pc:spChg>
+        <pc:spChg chg="add mod">
+          <ac:chgData name="Vignesh Vallavan" userId="b606fa7b4e1bb918" providerId="Windows Live" clId="Web-{DEE5607B-DCB2-456B-8F0C-1B0343890602}" dt="2022-06-16T14:30:57.672" v="436" actId="1076"/>
+          <ac:spMkLst>
+            <pc:docMk/>
+            <pc:sldMk cId="4291121068" sldId="260"/>
+            <ac:spMk id="5" creationId="{7577280A-9E3D-6AA6-1068-7E516647CAAB}"/>
+          </ac:spMkLst>
+        </pc:spChg>
+        <pc:spChg chg="add mod">
+          <ac:chgData name="Vignesh Vallavan" userId="b606fa7b4e1bb918" providerId="Windows Live" clId="Web-{DEE5607B-DCB2-456B-8F0C-1B0343890602}" dt="2022-06-16T14:32:27.861" v="445" actId="1076"/>
+          <ac:spMkLst>
+            <pc:docMk/>
+            <pc:sldMk cId="4291121068" sldId="260"/>
+            <ac:spMk id="7" creationId="{ECB05D04-B90C-7697-EF7F-A88C1351D51E}"/>
+          </ac:spMkLst>
+        </pc:spChg>
+        <pc:spChg chg="add mod">
+          <ac:chgData name="Vignesh Vallavan" userId="b606fa7b4e1bb918" providerId="Windows Live" clId="Web-{DEE5607B-DCB2-456B-8F0C-1B0343890602}" dt="2022-06-16T14:33:03.721" v="449" actId="14100"/>
+          <ac:spMkLst>
+            <pc:docMk/>
+            <pc:sldMk cId="4291121068" sldId="260"/>
+            <ac:spMk id="8" creationId="{01A0DB88-4D78-0AFD-8E2A-4461DC976133}"/>
+          </ac:spMkLst>
+        </pc:spChg>
+        <pc:spChg chg="add mod">
+          <ac:chgData name="Vignesh Vallavan" userId="b606fa7b4e1bb918" providerId="Windows Live" clId="Web-{DEE5607B-DCB2-456B-8F0C-1B0343890602}" dt="2022-06-16T14:37:27.835" v="470" actId="20577"/>
+          <ac:spMkLst>
+            <pc:docMk/>
+            <pc:sldMk cId="4291121068" sldId="260"/>
+            <ac:spMk id="10" creationId="{1C3EB456-0CD7-1687-24BE-0114D13E214A}"/>
+          </ac:spMkLst>
+        </pc:spChg>
+        <pc:picChg chg="add mod">
+          <ac:chgData name="Vignesh Vallavan" userId="b606fa7b4e1bb918" providerId="Windows Live" clId="Web-{DEE5607B-DCB2-456B-8F0C-1B0343890602}" dt="2022-06-16T14:33:23.659" v="452" actId="1076"/>
+          <ac:picMkLst>
+            <pc:docMk/>
+            <pc:sldMk cId="4291121068" sldId="260"/>
+            <ac:picMk id="4" creationId="{E2528311-7006-72C7-4C3E-99A309CAFA23}"/>
+          </ac:picMkLst>
+        </pc:picChg>
+        <pc:picChg chg="add mod">
+          <ac:chgData name="Vignesh Vallavan" userId="b606fa7b4e1bb918" providerId="Windows Live" clId="Web-{DEE5607B-DCB2-456B-8F0C-1B0343890602}" dt="2022-06-16T14:31:49.345" v="439" actId="14100"/>
+          <ac:picMkLst>
+            <pc:docMk/>
+            <pc:sldMk cId="4291121068" sldId="260"/>
+            <ac:picMk id="6" creationId="{A1130D85-B2B9-CBE1-03AD-E905A8C97420}"/>
+          </ac:picMkLst>
+        </pc:picChg>
+        <pc:picChg chg="add mod">
+          <ac:chgData name="Vignesh Vallavan" userId="b606fa7b4e1bb918" providerId="Windows Live" clId="Web-{DEE5607B-DCB2-456B-8F0C-1B0343890602}" dt="2022-06-16T14:33:46.441" v="459" actId="14100"/>
+          <ac:picMkLst>
+            <pc:docMk/>
+            <pc:sldMk cId="4291121068" sldId="260"/>
+            <ac:picMk id="9" creationId="{9CCB2FAF-9BE8-7EFE-A625-BAB6B3A42C99}"/>
+          </ac:picMkLst>
+        </pc:picChg>
+      </pc:sldChg>
+    </pc:docChg>
+  </pc:docChgLst>
+</pc:chgInfo>
 </file>
 
 <file path=ppt/slideLayouts/slideLayout1.xml><?xml version="1.0" encoding="utf-8"?>
@@ -255,7 +933,7 @@
           <a:p>
             <a:fld id="{846CE7D5-CF57-46EF-B807-FDD0502418D4}" type="datetimeFigureOut">
               <a:rPr lang="en-US" smtClean="0"/>
-              <a:t>6/16/2022</a:t>
+              <a:t>6/20/2022</a:t>
             </a:fld>
             <a:endParaRPr lang="en-US"/>
           </a:p>
@@ -425,7 +1103,7 @@
           <a:p>
             <a:fld id="{846CE7D5-CF57-46EF-B807-FDD0502418D4}" type="datetimeFigureOut">
               <a:rPr lang="en-US" smtClean="0"/>
-              <a:t>6/16/2022</a:t>
+              <a:t>6/20/2022</a:t>
             </a:fld>
             <a:endParaRPr lang="en-US"/>
           </a:p>
@@ -605,7 +1283,7 @@
           <a:p>
             <a:fld id="{846CE7D5-CF57-46EF-B807-FDD0502418D4}" type="datetimeFigureOut">
               <a:rPr lang="en-US" smtClean="0"/>
-              <a:t>6/16/2022</a:t>
+              <a:t>6/20/2022</a:t>
             </a:fld>
             <a:endParaRPr lang="en-US"/>
           </a:p>
@@ -775,7 +1453,7 @@
           <a:p>
             <a:fld id="{846CE7D5-CF57-46EF-B807-FDD0502418D4}" type="datetimeFigureOut">
               <a:rPr lang="en-US" smtClean="0"/>
-              <a:t>6/16/2022</a:t>
+              <a:t>6/20/2022</a:t>
             </a:fld>
             <a:endParaRPr lang="en-US"/>
           </a:p>
@@ -1021,7 +1699,7 @@
           <a:p>
             <a:fld id="{846CE7D5-CF57-46EF-B807-FDD0502418D4}" type="datetimeFigureOut">
               <a:rPr lang="en-US" smtClean="0"/>
-              <a:t>6/16/2022</a:t>
+              <a:t>6/20/2022</a:t>
             </a:fld>
             <a:endParaRPr lang="en-US"/>
           </a:p>
@@ -1253,7 +1931,7 @@
           <a:p>
             <a:fld id="{846CE7D5-CF57-46EF-B807-FDD0502418D4}" type="datetimeFigureOut">
               <a:rPr lang="en-US" smtClean="0"/>
-              <a:t>6/16/2022</a:t>
+              <a:t>6/20/2022</a:t>
             </a:fld>
             <a:endParaRPr lang="en-US"/>
           </a:p>
@@ -1620,7 +2298,7 @@
           <a:p>
             <a:fld id="{846CE7D5-CF57-46EF-B807-FDD0502418D4}" type="datetimeFigureOut">
               <a:rPr lang="en-US" smtClean="0"/>
-              <a:t>6/16/2022</a:t>
+              <a:t>6/20/2022</a:t>
             </a:fld>
             <a:endParaRPr lang="en-US"/>
           </a:p>
@@ -1738,7 +2416,7 @@
           <a:p>
             <a:fld id="{846CE7D5-CF57-46EF-B807-FDD0502418D4}" type="datetimeFigureOut">
               <a:rPr lang="en-US" smtClean="0"/>
-              <a:t>6/16/2022</a:t>
+              <a:t>6/20/2022</a:t>
             </a:fld>
             <a:endParaRPr lang="en-US"/>
           </a:p>
@@ -1833,7 +2511,7 @@
           <a:p>
             <a:fld id="{846CE7D5-CF57-46EF-B807-FDD0502418D4}" type="datetimeFigureOut">
               <a:rPr lang="en-US" smtClean="0"/>
-              <a:t>6/16/2022</a:t>
+              <a:t>6/20/2022</a:t>
             </a:fld>
             <a:endParaRPr lang="en-US"/>
           </a:p>
@@ -2110,7 +2788,7 @@
           <a:p>
             <a:fld id="{846CE7D5-CF57-46EF-B807-FDD0502418D4}" type="datetimeFigureOut">
               <a:rPr lang="en-US" smtClean="0"/>
-              <a:t>6/16/2022</a:t>
+              <a:t>6/20/2022</a:t>
             </a:fld>
             <a:endParaRPr lang="en-US"/>
           </a:p>
@@ -2367,7 +3045,7 @@
           <a:p>
             <a:fld id="{846CE7D5-CF57-46EF-B807-FDD0502418D4}" type="datetimeFigureOut">
               <a:rPr lang="en-US" smtClean="0"/>
-              <a:t>6/16/2022</a:t>
+              <a:t>6/20/2022</a:t>
             </a:fld>
             <a:endParaRPr lang="en-US"/>
           </a:p>
@@ -2580,7 +3258,7 @@
           <a:p>
             <a:fld id="{846CE7D5-CF57-46EF-B807-FDD0502418D4}" type="datetimeFigureOut">
               <a:rPr lang="en-US" smtClean="0"/>
-              <a:t>6/16/2022</a:t>
+              <a:t>6/20/2022</a:t>
             </a:fld>
             <a:endParaRPr lang="en-US"/>
           </a:p>
@@ -3060,6 +3738,223 @@
 </p:sld>
 </file>
 
+<file path=ppt/slides/slide10.xml><?xml version="1.0" encoding="utf-8"?>
+<p:sld xmlns:a="http://schemas.openxmlformats.org/drawingml/2006/main" xmlns:r="http://schemas.openxmlformats.org/officeDocument/2006/relationships" xmlns:p="http://schemas.openxmlformats.org/presentationml/2006/main">
+  <p:cSld>
+    <p:spTree>
+      <p:nvGrpSpPr>
+        <p:cNvPr id="1" name=""/>
+        <p:cNvGrpSpPr/>
+        <p:nvPr/>
+      </p:nvGrpSpPr>
+      <p:grpSpPr>
+        <a:xfrm>
+          <a:off x="0" y="0"/>
+          <a:ext cx="0" cy="0"/>
+          <a:chOff x="0" y="0"/>
+          <a:chExt cx="0" cy="0"/>
+        </a:xfrm>
+      </p:grpSpPr>
+      <p:sp>
+        <p:nvSpPr>
+          <p:cNvPr id="5" name="TextBox 4">
+            <a:extLst>
+              <a:ext uri="{FF2B5EF4-FFF2-40B4-BE49-F238E27FC236}">
+                <a16:creationId xmlns:a16="http://schemas.microsoft.com/office/drawing/2014/main" id="{7577280A-9E3D-6AA6-1068-7E516647CAAB}"/>
+              </a:ext>
+            </a:extLst>
+          </p:cNvPr>
+          <p:cNvSpPr txBox="1"/>
+          <p:nvPr/>
+        </p:nvSpPr>
+        <p:spPr>
+          <a:xfrm>
+            <a:off x="141238" y="226670"/>
+            <a:ext cx="11179627" cy="1323439"/>
+          </a:xfrm>
+          <a:prstGeom prst="rect">
+            <a:avLst/>
+          </a:prstGeom>
+          <a:noFill/>
+        </p:spPr>
+        <p:txBody>
+          <a:bodyPr rot="0" spcFirstLastPara="0" vertOverflow="overflow" horzOverflow="overflow" vert="horz" wrap="square" lIns="91440" tIns="45720" rIns="91440" bIns="45720" numCol="1" spcCol="0" rtlCol="0" fromWordArt="0" anchor="t" anchorCtr="0" forceAA="0" compatLnSpc="1">
+            <a:prstTxWarp prst="textNoShape">
+              <a:avLst/>
+            </a:prstTxWarp>
+            <a:spAutoFit/>
+          </a:bodyPr>
+          <a:lstStyle/>
+          <a:p>
+            <a:r>
+              <a:rPr lang="en-US" sz="4000" b="1" dirty="0">
+                <a:cs typeface="Calibri"/>
+              </a:rPr>
+              <a:t>Connect MySQL in Python Using </a:t>
+            </a:r>
+            <a:r>
+              <a:rPr lang="en-US" sz="4000" b="1" dirty="0" err="1">
+                <a:cs typeface="Calibri"/>
+              </a:rPr>
+              <a:t>mysql</a:t>
+            </a:r>
+            <a:r>
+              <a:rPr lang="en-US" sz="4000" b="1" dirty="0">
+                <a:cs typeface="Calibri"/>
+              </a:rPr>
+              <a:t>-connector-python library</a:t>
+            </a:r>
+          </a:p>
+        </p:txBody>
+      </p:sp>
+      <p:pic>
+        <p:nvPicPr>
+          <p:cNvPr id="9" name="Picture 9" descr="Text&#10;&#10;Description automatically generated">
+            <a:extLst>
+              <a:ext uri="{FF2B5EF4-FFF2-40B4-BE49-F238E27FC236}">
+                <a16:creationId xmlns:a16="http://schemas.microsoft.com/office/drawing/2014/main" id="{9CCB2FAF-9BE8-7EFE-A625-BAB6B3A42C99}"/>
+              </a:ext>
+            </a:extLst>
+          </p:cNvPr>
+          <p:cNvPicPr>
+            <a:picLocks noChangeAspect="1"/>
+          </p:cNvPicPr>
+          <p:nvPr/>
+        </p:nvPicPr>
+        <p:blipFill>
+          <a:blip r:embed="rId2"/>
+          <a:stretch>
+            <a:fillRect/>
+          </a:stretch>
+        </p:blipFill>
+        <p:spPr>
+          <a:xfrm>
+            <a:off x="489582" y="1837367"/>
+            <a:ext cx="8745499" cy="4663859"/>
+          </a:xfrm>
+          <a:prstGeom prst="rect">
+            <a:avLst/>
+          </a:prstGeom>
+        </p:spPr>
+      </p:pic>
+      <p:sp>
+        <p:nvSpPr>
+          <p:cNvPr id="10" name="TextBox 9">
+            <a:extLst>
+              <a:ext uri="{FF2B5EF4-FFF2-40B4-BE49-F238E27FC236}">
+                <a16:creationId xmlns:a16="http://schemas.microsoft.com/office/drawing/2014/main" id="{1C3EB456-0CD7-1687-24BE-0114D13E214A}"/>
+              </a:ext>
+            </a:extLst>
+          </p:cNvPr>
+          <p:cNvSpPr txBox="1"/>
+          <p:nvPr/>
+        </p:nvSpPr>
+        <p:spPr>
+          <a:xfrm>
+            <a:off x="9236873" y="4413813"/>
+            <a:ext cx="2957607" cy="584775"/>
+          </a:xfrm>
+          <a:prstGeom prst="rect">
+            <a:avLst/>
+          </a:prstGeom>
+          <a:noFill/>
+        </p:spPr>
+        <p:txBody>
+          <a:bodyPr rot="0" spcFirstLastPara="0" vertOverflow="overflow" horzOverflow="overflow" vert="horz" wrap="square" lIns="91440" tIns="45720" rIns="91440" bIns="45720" numCol="1" spcCol="0" rtlCol="0" fromWordArt="0" anchor="t" anchorCtr="0" forceAA="0" compatLnSpc="1">
+            <a:prstTxWarp prst="textNoShape">
+              <a:avLst/>
+            </a:prstTxWarp>
+            <a:spAutoFit/>
+          </a:bodyPr>
+          <a:lstStyle/>
+          <a:p>
+            <a:r>
+              <a:rPr lang="en-US" sz="1600" dirty="0">
+                <a:highlight>
+                  <a:srgbClr val="FFFF00"/>
+                </a:highlight>
+              </a:rPr>
+              <a:t>In snippet,</a:t>
+            </a:r>
+            <a:endParaRPr lang="en-US">
+              <a:highlight>
+                <a:srgbClr val="FFFF00"/>
+              </a:highlight>
+              <a:cs typeface="Calibri"/>
+            </a:endParaRPr>
+          </a:p>
+          <a:p>
+            <a:r>
+              <a:rPr lang="en-US" sz="1600" dirty="0">
+                <a:highlight>
+                  <a:srgbClr val="FFFF00"/>
+                </a:highlight>
+              </a:rPr>
+              <a:t> host = "</a:t>
+            </a:r>
+            <a:r>
+              <a:rPr lang="en-US" sz="1600" i="1" dirty="0">
+                <a:highlight>
+                  <a:srgbClr val="FFFF00"/>
+                </a:highlight>
+              </a:rPr>
+              <a:t>&lt;</a:t>
+            </a:r>
+            <a:r>
+              <a:rPr lang="en-US" sz="1600" b="1" i="1" dirty="0">
+                <a:highlight>
+                  <a:srgbClr val="FFFF00"/>
+                </a:highlight>
+              </a:rPr>
+              <a:t>RDS Endpoint name</a:t>
+            </a:r>
+            <a:r>
+              <a:rPr lang="en-US" sz="1600" i="1" dirty="0">
+                <a:highlight>
+                  <a:srgbClr val="FFFF00"/>
+                </a:highlight>
+              </a:rPr>
+              <a:t>&gt;</a:t>
+            </a:r>
+            <a:r>
+              <a:rPr lang="en-US" sz="1600" dirty="0">
+                <a:highlight>
+                  <a:srgbClr val="FFFF00"/>
+                </a:highlight>
+              </a:rPr>
+              <a:t>"</a:t>
+            </a:r>
+            <a:r>
+              <a:rPr lang="en-US" sz="1600" dirty="0">
+                <a:highlight>
+                  <a:srgbClr val="FFFF00"/>
+                </a:highlight>
+                <a:cs typeface="Calibri"/>
+              </a:rPr>
+              <a:t> </a:t>
+            </a:r>
+            <a:endParaRPr lang="en-US">
+              <a:highlight>
+                <a:srgbClr val="FFFF00"/>
+              </a:highlight>
+              <a:cs typeface="Calibri"/>
+            </a:endParaRPr>
+          </a:p>
+        </p:txBody>
+      </p:sp>
+    </p:spTree>
+    <p:extLst>
+      <p:ext uri="{BB962C8B-B14F-4D97-AF65-F5344CB8AC3E}">
+        <p14:creationId xmlns:p14="http://schemas.microsoft.com/office/powerpoint/2010/main" val="4291121068"/>
+      </p:ext>
+    </p:extLst>
+  </p:cSld>
+  <p:clrMapOvr>
+    <a:masterClrMapping/>
+  </p:clrMapOvr>
+</p:sld>
+</file>
+
 <file path=ppt/slides/slide2.xml><?xml version="1.0" encoding="utf-8"?>
 <p:sld xmlns:a="http://schemas.openxmlformats.org/drawingml/2006/main" xmlns:r="http://schemas.openxmlformats.org/officeDocument/2006/relationships" xmlns:p="http://schemas.openxmlformats.org/presentationml/2006/main">
   <p:cSld>
@@ -3643,12 +4538,81 @@
           <a:chExt cx="0" cy="0"/>
         </a:xfrm>
       </p:grpSpPr>
+      <p:sp>
+        <p:nvSpPr>
+          <p:cNvPr id="4" name="TextBox 3">
+            <a:extLst>
+              <a:ext uri="{FF2B5EF4-FFF2-40B4-BE49-F238E27FC236}">
+                <a16:creationId xmlns:a16="http://schemas.microsoft.com/office/drawing/2014/main" id="{5FD1077F-EE90-B893-50E4-7566A0CD51F1}"/>
+              </a:ext>
+            </a:extLst>
+          </p:cNvPr>
+          <p:cNvSpPr txBox="1"/>
+          <p:nvPr/>
+        </p:nvSpPr>
+        <p:spPr>
+          <a:xfrm>
+            <a:off x="4560425" y="3017134"/>
+            <a:ext cx="3071148" cy="830997"/>
+          </a:xfrm>
+          <a:prstGeom prst="rect">
+            <a:avLst/>
+          </a:prstGeom>
+          <a:noFill/>
+        </p:spPr>
+        <p:txBody>
+          <a:bodyPr rot="0" spcFirstLastPara="0" vertOverflow="overflow" horzOverflow="overflow" vert="horz" wrap="square" lIns="91440" tIns="45720" rIns="91440" bIns="45720" numCol="1" spcCol="0" rtlCol="0" fromWordArt="0" anchor="t" anchorCtr="0" forceAA="0" compatLnSpc="1">
+            <a:prstTxWarp prst="textNoShape">
+              <a:avLst/>
+            </a:prstTxWarp>
+            <a:spAutoFit/>
+          </a:bodyPr>
+          <a:lstStyle/>
+          <a:p>
+            <a:pPr algn="l"/>
+            <a:r>
+              <a:rPr lang="en-US" sz="4800" b="1" dirty="0"/>
+              <a:t>Connectors</a:t>
+            </a:r>
+          </a:p>
+        </p:txBody>
+      </p:sp>
+    </p:spTree>
+    <p:extLst>
+      <p:ext uri="{BB962C8B-B14F-4D97-AF65-F5344CB8AC3E}">
+        <p14:creationId xmlns:p14="http://schemas.microsoft.com/office/powerpoint/2010/main" val="289312920"/>
+      </p:ext>
+    </p:extLst>
+  </p:cSld>
+  <p:clrMapOvr>
+    <a:masterClrMapping/>
+  </p:clrMapOvr>
+</p:sld>
+</file>
+
+<file path=ppt/slides/slide6.xml><?xml version="1.0" encoding="utf-8"?>
+<p:sld xmlns:a="http://schemas.openxmlformats.org/drawingml/2006/main" xmlns:r="http://schemas.openxmlformats.org/officeDocument/2006/relationships" xmlns:p="http://schemas.openxmlformats.org/presentationml/2006/main">
+  <p:cSld>
+    <p:spTree>
+      <p:nvGrpSpPr>
+        <p:cNvPr id="1" name=""/>
+        <p:cNvGrpSpPr/>
+        <p:nvPr/>
+      </p:nvGrpSpPr>
+      <p:grpSpPr>
+        <a:xfrm>
+          <a:off x="0" y="0"/>
+          <a:ext cx="0" cy="0"/>
+          <a:chOff x="0" y="0"/>
+          <a:chExt cx="0" cy="0"/>
+        </a:xfrm>
+      </p:grpSpPr>
       <p:pic>
         <p:nvPicPr>
-          <p:cNvPr id="4" name="Picture 4" descr="Text&#10;&#10;Description automatically generated">
+          <p:cNvPr id="2" name="Picture 2" descr="Graphical user interface, text, application, email&#10;&#10;Description automatically generated">
             <a:extLst>
               <a:ext uri="{FF2B5EF4-FFF2-40B4-BE49-F238E27FC236}">
-                <a16:creationId xmlns:a16="http://schemas.microsoft.com/office/drawing/2014/main" id="{E2528311-7006-72C7-4C3E-99A309CAFA23}"/>
+                <a16:creationId xmlns:a16="http://schemas.microsoft.com/office/drawing/2014/main" id="{90A9CDBD-776A-BCDD-7933-80BE1AF9E31D}"/>
               </a:ext>
             </a:extLst>
           </p:cNvPr>
@@ -3665,8 +4629,8 @@
         </p:blipFill>
         <p:spPr>
           <a:xfrm>
-            <a:off x="275450" y="1951261"/>
-            <a:ext cx="11017858" cy="1402403"/>
+            <a:off x="391472" y="603004"/>
+            <a:ext cx="7126147" cy="6170098"/>
           </a:xfrm>
           <a:prstGeom prst="rect">
             <a:avLst/>
@@ -3675,10 +4639,10 @@
       </p:pic>
       <p:sp>
         <p:nvSpPr>
-          <p:cNvPr id="5" name="TextBox 4">
+          <p:cNvPr id="3" name="TextBox 2">
             <a:extLst>
               <a:ext uri="{FF2B5EF4-FFF2-40B4-BE49-F238E27FC236}">
-                <a16:creationId xmlns:a16="http://schemas.microsoft.com/office/drawing/2014/main" id="{7577280A-9E3D-6AA6-1068-7E516647CAAB}"/>
+                <a16:creationId xmlns:a16="http://schemas.microsoft.com/office/drawing/2014/main" id="{5A540AD6-3701-8AA2-2924-5C150EA11F14}"/>
               </a:ext>
             </a:extLst>
           </p:cNvPr>
@@ -3687,8 +4651,8 @@
         </p:nvSpPr>
         <p:spPr>
           <a:xfrm>
-            <a:off x="239210" y="-1930"/>
-            <a:ext cx="2743199" cy="461665"/>
+            <a:off x="297083" y="152400"/>
+            <a:ext cx="5173883" cy="369332"/>
           </a:xfrm>
           <a:prstGeom prst="rect">
             <a:avLst/>
@@ -3704,20 +4668,305 @@
           </a:bodyPr>
           <a:lstStyle/>
           <a:p>
-            <a:pPr algn="l"/>
-            <a:r>
-              <a:rPr lang="en-US" sz="2400" b="1" dirty="0"/>
-              <a:t>Connectors:</a:t>
+            <a:r>
+              <a:rPr lang="en-US" b="1" dirty="0"/>
+              <a:t>1. Create Connector in Glue Studio</a:t>
+            </a:r>
+          </a:p>
+        </p:txBody>
+      </p:sp>
+      <p:sp>
+        <p:nvSpPr>
+          <p:cNvPr id="6" name="TextBox 5">
+            <a:extLst>
+              <a:ext uri="{FF2B5EF4-FFF2-40B4-BE49-F238E27FC236}">
+                <a16:creationId xmlns:a16="http://schemas.microsoft.com/office/drawing/2014/main" id="{B5E7A9E5-6D24-B2C5-5BEC-DA33324BEC63}"/>
+              </a:ext>
+            </a:extLst>
+          </p:cNvPr>
+          <p:cNvSpPr txBox="1"/>
+          <p:nvPr/>
+        </p:nvSpPr>
+        <p:spPr>
+          <a:xfrm>
+            <a:off x="7749491" y="4084175"/>
+            <a:ext cx="4238262" cy="2585323"/>
+          </a:xfrm>
+          <a:prstGeom prst="rect">
+            <a:avLst/>
+          </a:prstGeom>
+          <a:noFill/>
+        </p:spPr>
+        <p:txBody>
+          <a:bodyPr rot="0" spcFirstLastPara="0" vertOverflow="overflow" horzOverflow="overflow" vert="horz" wrap="square" lIns="91440" tIns="45720" rIns="91440" bIns="45720" numCol="1" spcCol="0" rtlCol="0" fromWordArt="0" anchor="t" anchorCtr="0" forceAA="0" compatLnSpc="1">
+            <a:prstTxWarp prst="textNoShape">
+              <a:avLst/>
+            </a:prstTxWarp>
+            <a:spAutoFit/>
+          </a:bodyPr>
+          <a:lstStyle/>
+          <a:p>
+            <a:r>
+              <a:rPr lang="en-US" dirty="0" err="1">
+                <a:cs typeface="Calibri"/>
+              </a:rPr>
+              <a:t>mysql</a:t>
+            </a:r>
+            <a:r>
+              <a:rPr lang="en-US" dirty="0">
+                <a:cs typeface="Calibri"/>
+              </a:rPr>
+              <a:t> --&gt; Protocol</a:t>
+            </a:r>
+          </a:p>
+          <a:p>
+            <a:r>
+              <a:rPr lang="en-US" dirty="0" err="1">
+                <a:cs typeface="Calibri"/>
+              </a:rPr>
+              <a:t>Transaction_prod</a:t>
+            </a:r>
+            <a:r>
+              <a:rPr lang="en-US" dirty="0">
+                <a:cs typeface="Calibri"/>
+              </a:rPr>
+              <a:t> --&gt; Database Name</a:t>
+            </a:r>
+          </a:p>
+          <a:p>
+            <a:endParaRPr lang="en-US" dirty="0">
+              <a:cs typeface="Calibri"/>
+            </a:endParaRPr>
+          </a:p>
+          <a:p>
+            <a:endParaRPr lang="en-US" dirty="0">
+              <a:cs typeface="Calibri"/>
+            </a:endParaRPr>
+          </a:p>
+          <a:p>
+            <a:r>
+              <a:rPr lang="en-US" dirty="0">
+                <a:cs typeface="Calibri"/>
+              </a:rPr>
+              <a:t>Have to assign in Creation of connection</a:t>
+            </a:r>
+          </a:p>
+          <a:p>
+            <a:endParaRPr lang="en-US" dirty="0">
+              <a:cs typeface="Calibri"/>
+            </a:endParaRPr>
+          </a:p>
+          <a:p>
+            <a:r>
+              <a:rPr lang="en-US" dirty="0">
+                <a:cs typeface="Calibri"/>
+              </a:rPr>
+              <a:t>host</a:t>
+            </a:r>
+          </a:p>
+          <a:p>
+            <a:r>
+              <a:rPr lang="en-US" dirty="0">
+                <a:cs typeface="Calibri"/>
+              </a:rPr>
+              <a:t>username</a:t>
+            </a:r>
+          </a:p>
+          <a:p>
+            <a:r>
+              <a:rPr lang="en-US" dirty="0">
+                <a:cs typeface="Calibri"/>
+              </a:rPr>
+              <a:t>password</a:t>
+            </a:r>
+          </a:p>
+        </p:txBody>
+      </p:sp>
+      <p:sp>
+        <p:nvSpPr>
+          <p:cNvPr id="7" name="TextBox 6">
+            <a:extLst>
+              <a:ext uri="{FF2B5EF4-FFF2-40B4-BE49-F238E27FC236}">
+                <a16:creationId xmlns:a16="http://schemas.microsoft.com/office/drawing/2014/main" id="{D58D94A7-B7AE-F828-3373-9A646843919D}"/>
+              </a:ext>
+            </a:extLst>
+          </p:cNvPr>
+          <p:cNvSpPr txBox="1"/>
+          <p:nvPr/>
+        </p:nvSpPr>
+        <p:spPr>
+          <a:xfrm>
+            <a:off x="7506544" y="1159758"/>
+            <a:ext cx="3910312" cy="369332"/>
+          </a:xfrm>
+          <a:prstGeom prst="rect">
+            <a:avLst/>
+          </a:prstGeom>
+          <a:noFill/>
+        </p:spPr>
+        <p:txBody>
+          <a:bodyPr rot="0" spcFirstLastPara="0" vertOverflow="overflow" horzOverflow="overflow" vert="horz" wrap="square" lIns="91440" tIns="45720" rIns="91440" bIns="45720" numCol="1" spcCol="0" rtlCol="0" fromWordArt="0" anchor="t" anchorCtr="0" forceAA="0" compatLnSpc="1">
+            <a:prstTxWarp prst="textNoShape">
+              <a:avLst/>
+            </a:prstTxWarp>
+            <a:spAutoFit/>
+          </a:bodyPr>
+          <a:lstStyle/>
+          <a:p>
+            <a:r>
+              <a:rPr lang="en-US" dirty="0">
+                <a:highlight>
+                  <a:srgbClr val="FFFF00"/>
+                </a:highlight>
+              </a:rPr>
+              <a:t>MySQL connector in </a:t>
+            </a:r>
+            <a:r>
+              <a:rPr lang="en-US" b="1" dirty="0">
+                <a:highlight>
+                  <a:srgbClr val="FFFF00"/>
+                </a:highlight>
+              </a:rPr>
+              <a:t>JAR </a:t>
+            </a:r>
+            <a:r>
+              <a:rPr lang="en-US" dirty="0">
+                <a:highlight>
+                  <a:srgbClr val="FFFF00"/>
+                </a:highlight>
+              </a:rPr>
+              <a:t>format</a:t>
+            </a:r>
+          </a:p>
+        </p:txBody>
+      </p:sp>
+    </p:spTree>
+    <p:extLst>
+      <p:ext uri="{BB962C8B-B14F-4D97-AF65-F5344CB8AC3E}">
+        <p14:creationId xmlns:p14="http://schemas.microsoft.com/office/powerpoint/2010/main" val="1337457768"/>
+      </p:ext>
+    </p:extLst>
+  </p:cSld>
+  <p:clrMapOvr>
+    <a:masterClrMapping/>
+  </p:clrMapOvr>
+</p:sld>
+</file>
+
+<file path=ppt/slides/slide7.xml><?xml version="1.0" encoding="utf-8"?>
+<p:sld xmlns:a="http://schemas.openxmlformats.org/drawingml/2006/main" xmlns:r="http://schemas.openxmlformats.org/officeDocument/2006/relationships" xmlns:p="http://schemas.openxmlformats.org/presentationml/2006/main">
+  <p:cSld>
+    <p:spTree>
+      <p:nvGrpSpPr>
+        <p:cNvPr id="1" name=""/>
+        <p:cNvGrpSpPr/>
+        <p:nvPr/>
+      </p:nvGrpSpPr>
+      <p:grpSpPr>
+        <a:xfrm>
+          <a:off x="0" y="0"/>
+          <a:ext cx="0" cy="0"/>
+          <a:chOff x="0" y="0"/>
+          <a:chExt cx="0" cy="0"/>
+        </a:xfrm>
+      </p:grpSpPr>
+      <p:sp>
+        <p:nvSpPr>
+          <p:cNvPr id="6" name="TextBox 5">
+            <a:extLst>
+              <a:ext uri="{FF2B5EF4-FFF2-40B4-BE49-F238E27FC236}">
+                <a16:creationId xmlns:a16="http://schemas.microsoft.com/office/drawing/2014/main" id="{BE705F91-EE02-B377-3FB0-40FF31D3BF61}"/>
+              </a:ext>
+            </a:extLst>
+          </p:cNvPr>
+          <p:cNvSpPr txBox="1"/>
+          <p:nvPr/>
+        </p:nvSpPr>
+        <p:spPr>
+          <a:xfrm>
+            <a:off x="297083" y="152400"/>
+            <a:ext cx="5173883" cy="369332"/>
+          </a:xfrm>
+          <a:prstGeom prst="rect">
+            <a:avLst/>
+          </a:prstGeom>
+          <a:noFill/>
+        </p:spPr>
+        <p:txBody>
+          <a:bodyPr rot="0" spcFirstLastPara="0" vertOverflow="overflow" horzOverflow="overflow" vert="horz" wrap="square" lIns="91440" tIns="45720" rIns="91440" bIns="45720" numCol="1" spcCol="0" rtlCol="0" fromWordArt="0" anchor="t" anchorCtr="0" forceAA="0" compatLnSpc="1">
+            <a:prstTxWarp prst="textNoShape">
+              <a:avLst/>
+            </a:prstTxWarp>
+            <a:spAutoFit/>
+          </a:bodyPr>
+          <a:lstStyle/>
+          <a:p>
+            <a:r>
+              <a:rPr lang="en-US" b="1" dirty="0"/>
+              <a:t>2. Create connection for connector in Glue Studio</a:t>
+            </a:r>
+          </a:p>
+        </p:txBody>
+      </p:sp>
+      <p:sp>
+        <p:nvSpPr>
+          <p:cNvPr id="7" name="TextBox 6">
+            <a:extLst>
+              <a:ext uri="{FF2B5EF4-FFF2-40B4-BE49-F238E27FC236}">
+                <a16:creationId xmlns:a16="http://schemas.microsoft.com/office/drawing/2014/main" id="{27CF5987-AE77-89FC-0E68-19D221FDB125}"/>
+              </a:ext>
+            </a:extLst>
+          </p:cNvPr>
+          <p:cNvSpPr txBox="1"/>
+          <p:nvPr/>
+        </p:nvSpPr>
+        <p:spPr>
+          <a:xfrm>
+            <a:off x="1001210" y="518931"/>
+            <a:ext cx="8289401" cy="369332"/>
+          </a:xfrm>
+          <a:prstGeom prst="rect">
+            <a:avLst/>
+          </a:prstGeom>
+          <a:noFill/>
+        </p:spPr>
+        <p:txBody>
+          <a:bodyPr rot="0" spcFirstLastPara="0" vertOverflow="overflow" horzOverflow="overflow" vert="horz" wrap="square" lIns="91440" tIns="45720" rIns="91440" bIns="45720" numCol="1" spcCol="0" rtlCol="0" fromWordArt="0" anchor="t" anchorCtr="0" forceAA="0" compatLnSpc="1">
+            <a:prstTxWarp prst="textNoShape">
+              <a:avLst/>
+            </a:prstTxWarp>
+            <a:spAutoFit/>
+          </a:bodyPr>
+          <a:lstStyle/>
+          <a:p>
+            <a:r>
+              <a:rPr lang="en-US" dirty="0">
+                <a:cs typeface="Calibri"/>
+              </a:rPr>
+              <a:t>Connectors --&gt; open created connector --&gt; Create Connection (t</a:t>
+            </a:r>
+            <a:r>
+              <a:rPr lang="en-US" dirty="0">
+                <a:ea typeface="+mn-lt"/>
+                <a:cs typeface="+mn-lt"/>
+              </a:rPr>
+              <a:t>op right corner</a:t>
+            </a:r>
+            <a:r>
+              <a:rPr lang="en-US" dirty="0">
+                <a:cs typeface="Calibri"/>
+              </a:rPr>
+              <a:t>)</a:t>
             </a:r>
           </a:p>
         </p:txBody>
       </p:sp>
       <p:pic>
         <p:nvPicPr>
-          <p:cNvPr id="6" name="Picture 6" descr="Text&#10;&#10;Description automatically generated">
+          <p:cNvPr id="8" name="Picture 8" descr="Graphical user interface, text, application, email&#10;&#10;Description automatically generated">
             <a:extLst>
               <a:ext uri="{FF2B5EF4-FFF2-40B4-BE49-F238E27FC236}">
-                <a16:creationId xmlns:a16="http://schemas.microsoft.com/office/drawing/2014/main" id="{A1130D85-B2B9-CBE1-03AD-E905A8C97420}"/>
+                <a16:creationId xmlns:a16="http://schemas.microsoft.com/office/drawing/2014/main" id="{9B84B18F-45A3-89D5-B121-8543E1602C47}"/>
               </a:ext>
             </a:extLst>
           </p:cNvPr>
@@ -3727,15 +4976,15 @@
           <p:nvPr/>
         </p:nvPicPr>
         <p:blipFill>
-          <a:blip r:embed="rId3"/>
+          <a:blip r:embed="rId2"/>
           <a:stretch>
             <a:fillRect/>
           </a:stretch>
         </p:blipFill>
         <p:spPr>
           <a:xfrm>
-            <a:off x="335666" y="756125"/>
-            <a:ext cx="7006541" cy="1005243"/>
+            <a:off x="547868" y="1033829"/>
+            <a:ext cx="5347503" cy="5822418"/>
           </a:xfrm>
           <a:prstGeom prst="rect">
             <a:avLst/>
@@ -3744,10 +4993,10 @@
       </p:pic>
       <p:sp>
         <p:nvSpPr>
-          <p:cNvPr id="7" name="TextBox 6">
+          <p:cNvPr id="9" name="TextBox 8">
             <a:extLst>
               <a:ext uri="{FF2B5EF4-FFF2-40B4-BE49-F238E27FC236}">
-                <a16:creationId xmlns:a16="http://schemas.microsoft.com/office/drawing/2014/main" id="{ECB05D04-B90C-7697-EF7F-A88C1351D51E}"/>
+                <a16:creationId xmlns:a16="http://schemas.microsoft.com/office/drawing/2014/main" id="{CD423672-03A4-9D50-9C1A-B815AD06760B}"/>
               </a:ext>
             </a:extLst>
           </p:cNvPr>
@@ -3756,8 +5005,8 @@
         </p:nvSpPr>
         <p:spPr>
           <a:xfrm>
-            <a:off x="7338349" y="1203768"/>
-            <a:ext cx="4325073" cy="307777"/>
+            <a:off x="6053681" y="4211375"/>
+            <a:ext cx="6099856" cy="646331"/>
           </a:xfrm>
           <a:prstGeom prst="rect">
             <a:avLst/>
@@ -3774,70 +5023,48 @@
           <a:lstStyle/>
           <a:p>
             <a:r>
-              <a:rPr lang="en-US" sz="1400">
-                <a:cs typeface="Segoe UI"/>
-                <a:hlinkClick r:id="rId4"/>
-              </a:rPr>
-              <a:t>https://dev.mysql.com/downloads/connector/j/</a:t>
-            </a:r>
-            <a:endParaRPr lang="en-US"/>
-          </a:p>
-        </p:txBody>
-      </p:sp>
-      <p:sp>
-        <p:nvSpPr>
-          <p:cNvPr id="8" name="TextBox 7">
+              <a:rPr lang="en-US" dirty="0"/>
+              <a:t>If you does not add AWS secret, you will must give credentials. Otherwise its optional</a:t>
+            </a:r>
+          </a:p>
+        </p:txBody>
+      </p:sp>
+    </p:spTree>
+    <p:extLst>
+      <p:ext uri="{BB962C8B-B14F-4D97-AF65-F5344CB8AC3E}">
+        <p14:creationId xmlns:p14="http://schemas.microsoft.com/office/powerpoint/2010/main" val="785922027"/>
+      </p:ext>
+    </p:extLst>
+  </p:cSld>
+  <p:clrMapOvr>
+    <a:masterClrMapping/>
+  </p:clrMapOvr>
+</p:sld>
+</file>
+
+<file path=ppt/slides/slide8.xml><?xml version="1.0" encoding="utf-8"?>
+<p:sld xmlns:a="http://schemas.openxmlformats.org/drawingml/2006/main" xmlns:r="http://schemas.openxmlformats.org/officeDocument/2006/relationships" xmlns:p="http://schemas.openxmlformats.org/presentationml/2006/main">
+  <p:cSld>
+    <p:spTree>
+      <p:nvGrpSpPr>
+        <p:cNvPr id="1" name=""/>
+        <p:cNvGrpSpPr/>
+        <p:nvPr/>
+      </p:nvGrpSpPr>
+      <p:grpSpPr>
+        <a:xfrm>
+          <a:off x="0" y="0"/>
+          <a:ext cx="0" cy="0"/>
+          <a:chOff x="0" y="0"/>
+          <a:chExt cx="0" cy="0"/>
+        </a:xfrm>
+      </p:grpSpPr>
+      <p:pic>
+        <p:nvPicPr>
+          <p:cNvPr id="2" name="Picture 2" descr="Graphical user interface, text, application&#10;&#10;Description automatically generated">
             <a:extLst>
               <a:ext uri="{FF2B5EF4-FFF2-40B4-BE49-F238E27FC236}">
-                <a16:creationId xmlns:a16="http://schemas.microsoft.com/office/drawing/2014/main" id="{01A0DB88-4D78-0AFD-8E2A-4461DC976133}"/>
-              </a:ext>
-            </a:extLst>
-          </p:cNvPr>
-          <p:cNvSpPr txBox="1"/>
-          <p:nvPr/>
-        </p:nvSpPr>
-        <p:spPr>
-          <a:xfrm>
-            <a:off x="7338349" y="1551008"/>
-            <a:ext cx="4228617" cy="307777"/>
-          </a:xfrm>
-          <a:prstGeom prst="rect">
-            <a:avLst/>
-          </a:prstGeom>
-          <a:noFill/>
-        </p:spPr>
-        <p:txBody>
-          <a:bodyPr rot="0" spcFirstLastPara="0" vertOverflow="overflow" horzOverflow="overflow" vert="horz" wrap="square" lIns="91440" tIns="45720" rIns="91440" bIns="45720" numCol="1" spcCol="0" rtlCol="0" fromWordArt="0" anchor="t" anchorCtr="0" forceAA="0" compatLnSpc="1">
-            <a:prstTxWarp prst="textNoShape">
-              <a:avLst/>
-            </a:prstTxWarp>
-            <a:spAutoFit/>
-          </a:bodyPr>
-          <a:lstStyle/>
-          <a:p>
-            <a:r>
-              <a:rPr lang="en-US" sz="1400">
-                <a:cs typeface="Segoe UI"/>
-                <a:hlinkClick r:id="rId5"/>
-              </a:rPr>
-              <a:t>https://pypi.org/project/mysql-connector-python/</a:t>
-            </a:r>
-            <a:r>
-              <a:rPr lang="en-US" sz="1100">
-                <a:cs typeface="Calibri"/>
-              </a:rPr>
-              <a:t> </a:t>
-            </a:r>
-            <a:endParaRPr lang="en-US"/>
-          </a:p>
-        </p:txBody>
-      </p:sp>
-      <p:pic>
-        <p:nvPicPr>
-          <p:cNvPr id="9" name="Picture 9" descr="Text&#10;&#10;Description automatically generated">
-            <a:extLst>
-              <a:ext uri="{FF2B5EF4-FFF2-40B4-BE49-F238E27FC236}">
-                <a16:creationId xmlns:a16="http://schemas.microsoft.com/office/drawing/2014/main" id="{9CCB2FAF-9BE8-7EFE-A625-BAB6B3A42C99}"/>
+                <a16:creationId xmlns:a16="http://schemas.microsoft.com/office/drawing/2014/main" id="{120BF0B5-F32E-3F6C-48D0-445FC9087B96}"/>
               </a:ext>
             </a:extLst>
           </p:cNvPr>
@@ -3847,15 +5074,15 @@
           <p:nvPr/>
         </p:nvPicPr>
         <p:blipFill>
-          <a:blip r:embed="rId6"/>
+          <a:blip r:embed="rId2"/>
           <a:stretch>
             <a:fillRect/>
           </a:stretch>
         </p:blipFill>
         <p:spPr>
           <a:xfrm>
-            <a:off x="239211" y="3426681"/>
-            <a:ext cx="6350642" cy="3390231"/>
+            <a:off x="624758" y="918056"/>
+            <a:ext cx="7053942" cy="4645573"/>
           </a:xfrm>
           <a:prstGeom prst="rect">
             <a:avLst/>
@@ -3864,10 +5091,10 @@
       </p:pic>
       <p:sp>
         <p:nvSpPr>
-          <p:cNvPr id="10" name="TextBox 9">
+          <p:cNvPr id="4" name="TextBox 3">
             <a:extLst>
               <a:ext uri="{FF2B5EF4-FFF2-40B4-BE49-F238E27FC236}">
-                <a16:creationId xmlns:a16="http://schemas.microsoft.com/office/drawing/2014/main" id="{1C3EB456-0CD7-1687-24BE-0114D13E214A}"/>
+                <a16:creationId xmlns:a16="http://schemas.microsoft.com/office/drawing/2014/main" id="{0264393D-ACF4-40E9-AC4F-7A68CD98BD6A}"/>
               </a:ext>
             </a:extLst>
           </p:cNvPr>
@@ -3876,8 +5103,8 @@
         </p:nvSpPr>
         <p:spPr>
           <a:xfrm>
-            <a:off x="6711387" y="4261413"/>
-            <a:ext cx="4546921" cy="338554"/>
+            <a:off x="133797" y="130629"/>
+            <a:ext cx="5173883" cy="369332"/>
           </a:xfrm>
           <a:prstGeom prst="rect">
             <a:avLst/>
@@ -3894,22 +5121,67 @@
           <a:lstStyle/>
           <a:p>
             <a:r>
-              <a:rPr lang="en-US" sz="1600" b="1" dirty="0"/>
-              <a:t>In snippet, host = "</a:t>
-            </a:r>
-            <a:r>
-              <a:rPr lang="en-US" sz="1600" b="1" i="1" dirty="0"/>
-              <a:t>&lt;RDS Endpoint name&gt;</a:t>
-            </a:r>
-            <a:r>
-              <a:rPr lang="en-US" sz="1600" b="1" dirty="0"/>
-              <a:t>"</a:t>
-            </a:r>
-            <a:r>
-              <a:rPr lang="en-US" sz="1600" b="1" dirty="0">
+              <a:rPr lang="en-US" b="1" dirty="0"/>
+              <a:t>Create Secret Manager</a:t>
+            </a:r>
+          </a:p>
+        </p:txBody>
+      </p:sp>
+      <p:sp>
+        <p:nvSpPr>
+          <p:cNvPr id="5" name="TextBox 4">
+            <a:extLst>
+              <a:ext uri="{FF2B5EF4-FFF2-40B4-BE49-F238E27FC236}">
+                <a16:creationId xmlns:a16="http://schemas.microsoft.com/office/drawing/2014/main" id="{B33A7005-1246-DD1B-78B6-4DAB4C995C09}"/>
+              </a:ext>
+            </a:extLst>
+          </p:cNvPr>
+          <p:cNvSpPr txBox="1"/>
+          <p:nvPr/>
+        </p:nvSpPr>
+        <p:spPr>
+          <a:xfrm>
+            <a:off x="5453743" y="4789715"/>
+            <a:ext cx="3951514" cy="923330"/>
+          </a:xfrm>
+          <a:prstGeom prst="rect">
+            <a:avLst/>
+          </a:prstGeom>
+          <a:noFill/>
+        </p:spPr>
+        <p:txBody>
+          <a:bodyPr rot="0" spcFirstLastPara="0" vertOverflow="overflow" horzOverflow="overflow" vert="horz" wrap="square" lIns="91440" tIns="45720" rIns="91440" bIns="45720" numCol="1" spcCol="0" rtlCol="0" fromWordArt="0" anchor="t" anchorCtr="0" forceAA="0" compatLnSpc="1">
+            <a:prstTxWarp prst="textNoShape">
+              <a:avLst/>
+            </a:prstTxWarp>
+            <a:spAutoFit/>
+          </a:bodyPr>
+          <a:lstStyle/>
+          <a:p>
+            <a:r>
+              <a:rPr lang="en-US" dirty="0">
+                <a:highlight>
+                  <a:srgbClr val="FFFF00"/>
+                </a:highlight>
                 <a:cs typeface="Calibri"/>
               </a:rPr>
-              <a:t> </a:t>
+              <a:t>RDS DB Name</a:t>
+            </a:r>
+          </a:p>
+          <a:p>
+            <a:endParaRPr lang="en-US" dirty="0">
+              <a:cs typeface="Calibri"/>
+            </a:endParaRPr>
+          </a:p>
+          <a:p>
+            <a:r>
+              <a:rPr lang="en-US" dirty="0">
+                <a:highlight>
+                  <a:srgbClr val="FFFF00"/>
+                </a:highlight>
+                <a:cs typeface="Calibri"/>
+              </a:rPr>
+              <a:t>Table created under Database</a:t>
             </a:r>
           </a:p>
         </p:txBody>
@@ -3917,7 +5189,257 @@
     </p:spTree>
     <p:extLst>
       <p:ext uri="{BB962C8B-B14F-4D97-AF65-F5344CB8AC3E}">
-        <p14:creationId xmlns:p14="http://schemas.microsoft.com/office/powerpoint/2010/main" val="4291121068"/>
+        <p14:creationId xmlns:p14="http://schemas.microsoft.com/office/powerpoint/2010/main" val="2318789702"/>
+      </p:ext>
+    </p:extLst>
+  </p:cSld>
+  <p:clrMapOvr>
+    <a:masterClrMapping/>
+  </p:clrMapOvr>
+</p:sld>
+</file>
+
+<file path=ppt/slides/slide9.xml><?xml version="1.0" encoding="utf-8"?>
+<p:sld xmlns:a="http://schemas.openxmlformats.org/drawingml/2006/main" xmlns:r="http://schemas.openxmlformats.org/officeDocument/2006/relationships" xmlns:p="http://schemas.openxmlformats.org/presentationml/2006/main">
+  <p:cSld>
+    <p:spTree>
+      <p:nvGrpSpPr>
+        <p:cNvPr id="1" name=""/>
+        <p:cNvGrpSpPr/>
+        <p:nvPr/>
+      </p:nvGrpSpPr>
+      <p:grpSpPr>
+        <a:xfrm>
+          <a:off x="0" y="0"/>
+          <a:ext cx="0" cy="0"/>
+          <a:chOff x="0" y="0"/>
+          <a:chExt cx="0" cy="0"/>
+        </a:xfrm>
+      </p:grpSpPr>
+      <p:sp>
+        <p:nvSpPr>
+          <p:cNvPr id="5" name="TextBox 4">
+            <a:extLst>
+              <a:ext uri="{FF2B5EF4-FFF2-40B4-BE49-F238E27FC236}">
+                <a16:creationId xmlns:a16="http://schemas.microsoft.com/office/drawing/2014/main" id="{AEF26EC1-8BEC-F626-4D82-1E9B0E7A01A7}"/>
+              </a:ext>
+            </a:extLst>
+          </p:cNvPr>
+          <p:cNvSpPr txBox="1"/>
+          <p:nvPr/>
+        </p:nvSpPr>
+        <p:spPr>
+          <a:xfrm>
+            <a:off x="297083" y="152400"/>
+            <a:ext cx="5173883" cy="369332"/>
+          </a:xfrm>
+          <a:prstGeom prst="rect">
+            <a:avLst/>
+          </a:prstGeom>
+          <a:noFill/>
+        </p:spPr>
+        <p:txBody>
+          <a:bodyPr rot="0" spcFirstLastPara="0" vertOverflow="overflow" horzOverflow="overflow" vert="horz" wrap="square" lIns="91440" tIns="45720" rIns="91440" bIns="45720" numCol="1" spcCol="0" rtlCol="0" fromWordArt="0" anchor="t" anchorCtr="0" forceAA="0" compatLnSpc="1">
+            <a:prstTxWarp prst="textNoShape">
+              <a:avLst/>
+            </a:prstTxWarp>
+            <a:spAutoFit/>
+          </a:bodyPr>
+          <a:lstStyle/>
+          <a:p>
+            <a:r>
+              <a:rPr lang="en-US" b="1" dirty="0"/>
+              <a:t>3. Create Jobs in Glue Studio</a:t>
+            </a:r>
+          </a:p>
+        </p:txBody>
+      </p:sp>
+      <p:pic>
+        <p:nvPicPr>
+          <p:cNvPr id="8" name="Picture 8" descr="A picture containing diagram&#10;&#10;Description automatically generated">
+            <a:extLst>
+              <a:ext uri="{FF2B5EF4-FFF2-40B4-BE49-F238E27FC236}">
+                <a16:creationId xmlns:a16="http://schemas.microsoft.com/office/drawing/2014/main" id="{439EE4B9-F686-36B6-E54E-7B0229D59F23}"/>
+              </a:ext>
+            </a:extLst>
+          </p:cNvPr>
+          <p:cNvPicPr>
+            <a:picLocks noChangeAspect="1"/>
+          </p:cNvPicPr>
+          <p:nvPr/>
+        </p:nvPicPr>
+        <p:blipFill>
+          <a:blip r:embed="rId2"/>
+          <a:stretch>
+            <a:fillRect/>
+          </a:stretch>
+        </p:blipFill>
+        <p:spPr>
+          <a:xfrm>
+            <a:off x="293914" y="839622"/>
+            <a:ext cx="9764485" cy="4873956"/>
+          </a:xfrm>
+          <a:prstGeom prst="rect">
+            <a:avLst/>
+          </a:prstGeom>
+        </p:spPr>
+      </p:pic>
+      <p:sp>
+        <p:nvSpPr>
+          <p:cNvPr id="9" name="TextBox 1">
+            <a:extLst>
+              <a:ext uri="{FF2B5EF4-FFF2-40B4-BE49-F238E27FC236}">
+                <a16:creationId xmlns:a16="http://schemas.microsoft.com/office/drawing/2014/main" id="{4C320377-494D-EBAF-769B-91E7C8A3BD54}"/>
+              </a:ext>
+            </a:extLst>
+          </p:cNvPr>
+          <p:cNvSpPr txBox="1"/>
+          <p:nvPr/>
+        </p:nvSpPr>
+        <p:spPr>
+          <a:xfrm>
+            <a:off x="8763000" y="4593772"/>
+            <a:ext cx="3341914" cy="646331"/>
+          </a:xfrm>
+          <a:prstGeom prst="rect">
+            <a:avLst/>
+          </a:prstGeom>
+          <a:noFill/>
+        </p:spPr>
+        <p:txBody>
+          <a:bodyPr rot="0" spcFirstLastPara="0" vert="horz" wrap="square" lIns="91440" tIns="45720" rIns="91440" bIns="45720" numCol="1" spcCol="0" rtlCol="0" fromWordArt="0" anchor="t" anchorCtr="0" forceAA="0" compatLnSpc="1">
+            <a:prstTxWarp prst="textNoShape">
+              <a:avLst/>
+            </a:prstTxWarp>
+            <a:spAutoFit/>
+          </a:bodyPr>
+          <a:lstStyle>
+            <a:defPPr>
+              <a:defRPr lang="en-US"/>
+            </a:defPPr>
+            <a:lvl1pPr marL="0" algn="l" defTabSz="914400" rtl="0" eaLnBrk="1" latinLnBrk="0" hangingPunct="1">
+              <a:defRPr sz="1800" kern="1200">
+                <a:solidFill>
+                  <a:schemeClr val="tx1"/>
+                </a:solidFill>
+                <a:latin typeface="+mn-lt"/>
+                <a:ea typeface="+mn-ea"/>
+                <a:cs typeface="+mn-cs"/>
+              </a:defRPr>
+            </a:lvl1pPr>
+            <a:lvl2pPr marL="457200" algn="l" defTabSz="914400" rtl="0" eaLnBrk="1" latinLnBrk="0" hangingPunct="1">
+              <a:defRPr sz="1800" kern="1200">
+                <a:solidFill>
+                  <a:schemeClr val="tx1"/>
+                </a:solidFill>
+                <a:latin typeface="+mn-lt"/>
+                <a:ea typeface="+mn-ea"/>
+                <a:cs typeface="+mn-cs"/>
+              </a:defRPr>
+            </a:lvl2pPr>
+            <a:lvl3pPr marL="914400" algn="l" defTabSz="914400" rtl="0" eaLnBrk="1" latinLnBrk="0" hangingPunct="1">
+              <a:defRPr sz="1800" kern="1200">
+                <a:solidFill>
+                  <a:schemeClr val="tx1"/>
+                </a:solidFill>
+                <a:latin typeface="+mn-lt"/>
+                <a:ea typeface="+mn-ea"/>
+                <a:cs typeface="+mn-cs"/>
+              </a:defRPr>
+            </a:lvl3pPr>
+            <a:lvl4pPr marL="1371600" algn="l" defTabSz="914400" rtl="0" eaLnBrk="1" latinLnBrk="0" hangingPunct="1">
+              <a:defRPr sz="1800" kern="1200">
+                <a:solidFill>
+                  <a:schemeClr val="tx1"/>
+                </a:solidFill>
+                <a:latin typeface="+mn-lt"/>
+                <a:ea typeface="+mn-ea"/>
+                <a:cs typeface="+mn-cs"/>
+              </a:defRPr>
+            </a:lvl4pPr>
+            <a:lvl5pPr marL="1828800" algn="l" defTabSz="914400" rtl="0" eaLnBrk="1" latinLnBrk="0" hangingPunct="1">
+              <a:defRPr sz="1800" kern="1200">
+                <a:solidFill>
+                  <a:schemeClr val="tx1"/>
+                </a:solidFill>
+                <a:latin typeface="+mn-lt"/>
+                <a:ea typeface="+mn-ea"/>
+                <a:cs typeface="+mn-cs"/>
+              </a:defRPr>
+            </a:lvl5pPr>
+            <a:lvl6pPr marL="2286000" algn="l" defTabSz="914400" rtl="0" eaLnBrk="1" latinLnBrk="0" hangingPunct="1">
+              <a:defRPr sz="1800" kern="1200">
+                <a:solidFill>
+                  <a:schemeClr val="tx1"/>
+                </a:solidFill>
+                <a:latin typeface="+mn-lt"/>
+                <a:ea typeface="+mn-ea"/>
+                <a:cs typeface="+mn-cs"/>
+              </a:defRPr>
+            </a:lvl6pPr>
+            <a:lvl7pPr marL="2743200" algn="l" defTabSz="914400" rtl="0" eaLnBrk="1" latinLnBrk="0" hangingPunct="1">
+              <a:defRPr sz="1800" kern="1200">
+                <a:solidFill>
+                  <a:schemeClr val="tx1"/>
+                </a:solidFill>
+                <a:latin typeface="+mn-lt"/>
+                <a:ea typeface="+mn-ea"/>
+                <a:cs typeface="+mn-cs"/>
+              </a:defRPr>
+            </a:lvl7pPr>
+            <a:lvl8pPr marL="3200400" algn="l" defTabSz="914400" rtl="0" eaLnBrk="1" latinLnBrk="0" hangingPunct="1">
+              <a:defRPr sz="1800" kern="1200">
+                <a:solidFill>
+                  <a:schemeClr val="tx1"/>
+                </a:solidFill>
+                <a:latin typeface="+mn-lt"/>
+                <a:ea typeface="+mn-ea"/>
+                <a:cs typeface="+mn-cs"/>
+              </a:defRPr>
+            </a:lvl8pPr>
+            <a:lvl9pPr marL="3657600" algn="l" defTabSz="914400" rtl="0" eaLnBrk="1" latinLnBrk="0" hangingPunct="1">
+              <a:defRPr sz="1800" kern="1200">
+                <a:solidFill>
+                  <a:schemeClr val="tx1"/>
+                </a:solidFill>
+                <a:latin typeface="+mn-lt"/>
+                <a:ea typeface="+mn-ea"/>
+                <a:cs typeface="+mn-cs"/>
+              </a:defRPr>
+            </a:lvl9pPr>
+          </a:lstStyle>
+          <a:p>
+            <a:r>
+              <a:rPr lang="en-US" dirty="0">
+                <a:highlight>
+                  <a:srgbClr val="FFFF00"/>
+                </a:highlight>
+              </a:rPr>
+              <a:t>Correct table name that Database(</a:t>
+            </a:r>
+            <a:r>
+              <a:rPr lang="en-US" dirty="0" err="1">
+                <a:highlight>
+                  <a:srgbClr val="FFFF00"/>
+                </a:highlight>
+              </a:rPr>
+              <a:t>Transaction_prod</a:t>
+            </a:r>
+            <a:r>
+              <a:rPr lang="en-US" dirty="0">
+                <a:highlight>
+                  <a:srgbClr val="FFFF00"/>
+                </a:highlight>
+              </a:rPr>
+              <a:t>) have</a:t>
+            </a:r>
+          </a:p>
+        </p:txBody>
+      </p:sp>
+    </p:spTree>
+    <p:extLst>
+      <p:ext uri="{BB962C8B-B14F-4D97-AF65-F5344CB8AC3E}">
+        <p14:creationId xmlns:p14="http://schemas.microsoft.com/office/powerpoint/2010/main" val="3760077431"/>
       </p:ext>
     </p:extLst>
   </p:cSld>
